--- a/week10/day4/theory/Machine Learning - Unsupervised Learning.pptx
+++ b/week10/day4/theory/Machine Learning - Unsupervised Learning.pptx
@@ -11,15 +11,15 @@
     <p:sldId id="271" r:id="rId2"/>
     <p:sldId id="286" r:id="rId3"/>
     <p:sldId id="276" r:id="rId4"/>
-    <p:sldId id="295" r:id="rId5"/>
-    <p:sldId id="289" r:id="rId6"/>
-    <p:sldId id="290" r:id="rId7"/>
-    <p:sldId id="299" r:id="rId8"/>
-    <p:sldId id="300" r:id="rId9"/>
-    <p:sldId id="301" r:id="rId10"/>
-    <p:sldId id="302" r:id="rId11"/>
-    <p:sldId id="303" r:id="rId12"/>
-    <p:sldId id="304" r:id="rId13"/>
+    <p:sldId id="305" r:id="rId5"/>
+    <p:sldId id="306" r:id="rId6"/>
+    <p:sldId id="307" r:id="rId7"/>
+    <p:sldId id="308" r:id="rId8"/>
+    <p:sldId id="309" r:id="rId9"/>
+    <p:sldId id="311" r:id="rId10"/>
+    <p:sldId id="310" r:id="rId11"/>
+    <p:sldId id="312" r:id="rId12"/>
+    <p:sldId id="313" r:id="rId13"/>
     <p:sldId id="285" r:id="rId14"/>
   </p:sldIdLst>
   <p:sldSz cx="12192000" cy="6858000"/>
@@ -142,7 +142,7 @@
 <file path=ppt/revisionInfo.xml><?xml version="1.0" encoding="utf-8"?>
 <p1510:revInfo xmlns:a="http://schemas.openxmlformats.org/drawingml/2006/main" xmlns:r="http://schemas.openxmlformats.org/officeDocument/2006/relationships" xmlns:p1510="http://schemas.microsoft.com/office/powerpoint/2015/10/main">
   <p1510:revLst>
-    <p1510:client id="{756DCC15-1F76-4749-AA77-62CC3480AB5D}" v="35" dt="2020-05-13T17:28:38.728"/>
+    <p1510:client id="{FA396EE4-CEA8-47A4-B0F4-67745DB83E03}" v="78" dt="2020-09-16T21:33:53.693"/>
   </p1510:revLst>
 </p1510:revInfo>
 </file>
@@ -229,7 +229,7 @@
           <a:p>
             <a:fld id="{CBC3D06E-D880-4630-85C6-508F7CA16EC0}" type="datetimeFigureOut">
               <a:rPr lang="es-ES" smtClean="0"/>
-              <a:t>15/09/2020</a:t>
+              <a:t>17/09/2020</a:t>
             </a:fld>
             <a:endParaRPr lang="es-ES"/>
           </a:p>
@@ -663,7 +663,7 @@
     </p:spTree>
     <p:extLst>
       <p:ext uri="{BB962C8B-B14F-4D97-AF65-F5344CB8AC3E}">
-        <p14:creationId xmlns:p14="http://schemas.microsoft.com/office/powerpoint/2010/main" val="1038300902"/>
+        <p14:creationId xmlns:p14="http://schemas.microsoft.com/office/powerpoint/2010/main" val="3563841599"/>
       </p:ext>
     </p:extLst>
   </p:cSld>
@@ -751,7 +751,7 @@
     </p:spTree>
     <p:extLst>
       <p:ext uri="{BB962C8B-B14F-4D97-AF65-F5344CB8AC3E}">
-        <p14:creationId xmlns:p14="http://schemas.microsoft.com/office/powerpoint/2010/main" val="1886101183"/>
+        <p14:creationId xmlns:p14="http://schemas.microsoft.com/office/powerpoint/2010/main" val="882851795"/>
       </p:ext>
     </p:extLst>
   </p:cSld>
@@ -839,7 +839,7 @@
     </p:spTree>
     <p:extLst>
       <p:ext uri="{BB962C8B-B14F-4D97-AF65-F5344CB8AC3E}">
-        <p14:creationId xmlns:p14="http://schemas.microsoft.com/office/powerpoint/2010/main" val="704162906"/>
+        <p14:creationId xmlns:p14="http://schemas.microsoft.com/office/powerpoint/2010/main" val="2703202006"/>
       </p:ext>
     </p:extLst>
   </p:cSld>
@@ -1191,7 +1191,7 @@
     </p:spTree>
     <p:extLst>
       <p:ext uri="{BB962C8B-B14F-4D97-AF65-F5344CB8AC3E}">
-        <p14:creationId xmlns:p14="http://schemas.microsoft.com/office/powerpoint/2010/main" val="746588999"/>
+        <p14:creationId xmlns:p14="http://schemas.microsoft.com/office/powerpoint/2010/main" val="2346737236"/>
       </p:ext>
     </p:extLst>
   </p:cSld>
@@ -1279,7 +1279,7 @@
     </p:spTree>
     <p:extLst>
       <p:ext uri="{BB962C8B-B14F-4D97-AF65-F5344CB8AC3E}">
-        <p14:creationId xmlns:p14="http://schemas.microsoft.com/office/powerpoint/2010/main" val="1163779536"/>
+        <p14:creationId xmlns:p14="http://schemas.microsoft.com/office/powerpoint/2010/main" val="1624834973"/>
       </p:ext>
     </p:extLst>
   </p:cSld>
@@ -1367,7 +1367,7 @@
     </p:spTree>
     <p:extLst>
       <p:ext uri="{BB962C8B-B14F-4D97-AF65-F5344CB8AC3E}">
-        <p14:creationId xmlns:p14="http://schemas.microsoft.com/office/powerpoint/2010/main" val="733200298"/>
+        <p14:creationId xmlns:p14="http://schemas.microsoft.com/office/powerpoint/2010/main" val="1994493076"/>
       </p:ext>
     </p:extLst>
   </p:cSld>
@@ -1455,7 +1455,7 @@
     </p:spTree>
     <p:extLst>
       <p:ext uri="{BB962C8B-B14F-4D97-AF65-F5344CB8AC3E}">
-        <p14:creationId xmlns:p14="http://schemas.microsoft.com/office/powerpoint/2010/main" val="833097298"/>
+        <p14:creationId xmlns:p14="http://schemas.microsoft.com/office/powerpoint/2010/main" val="4136831949"/>
       </p:ext>
     </p:extLst>
   </p:cSld>
@@ -1543,7 +1543,7 @@
     </p:spTree>
     <p:extLst>
       <p:ext uri="{BB962C8B-B14F-4D97-AF65-F5344CB8AC3E}">
-        <p14:creationId xmlns:p14="http://schemas.microsoft.com/office/powerpoint/2010/main" val="538468917"/>
+        <p14:creationId xmlns:p14="http://schemas.microsoft.com/office/powerpoint/2010/main" val="135971865"/>
       </p:ext>
     </p:extLst>
   </p:cSld>
@@ -1631,7 +1631,7 @@
     </p:spTree>
     <p:extLst>
       <p:ext uri="{BB962C8B-B14F-4D97-AF65-F5344CB8AC3E}">
-        <p14:creationId xmlns:p14="http://schemas.microsoft.com/office/powerpoint/2010/main" val="3548083611"/>
+        <p14:creationId xmlns:p14="http://schemas.microsoft.com/office/powerpoint/2010/main" val="1956725919"/>
       </p:ext>
     </p:extLst>
   </p:cSld>
@@ -1773,7 +1773,7 @@
             <a:fld id="{1E700B27-DE4C-4B9E-BB11-B9027034A00F}" type="datetimeFigureOut">
               <a:rPr lang="en-US" smtClean="0"/>
               <a:pPr/>
-              <a:t>9/15/2020</a:t>
+              <a:t>9/17/2020</a:t>
             </a:fld>
             <a:endParaRPr lang="en-US" dirty="0"/>
           </a:p>
@@ -1944,7 +1944,7 @@
           <a:p>
             <a:fld id="{80DBE609-F3F2-45E6-BD6A-E03A8C86C1AE}" type="datetimeFigureOut">
               <a:rPr lang="en-US" smtClean="0"/>
-              <a:t>9/15/2020</a:t>
+              <a:t>9/17/2020</a:t>
             </a:fld>
             <a:endParaRPr lang="en-US" dirty="0"/>
           </a:p>
@@ -2125,7 +2125,7 @@
           <a:p>
             <a:fld id="{7A24AD68-089C-4467-A8F3-EA2BBCA6B44E}" type="datetimeFigureOut">
               <a:rPr lang="en-US" smtClean="0"/>
-              <a:t>9/15/2020</a:t>
+              <a:t>9/17/2020</a:t>
             </a:fld>
             <a:endParaRPr lang="en-US" dirty="0"/>
           </a:p>
@@ -2296,7 +2296,7 @@
           <a:p>
             <a:fld id="{75C51FCE-E4BB-4680-8E50-3C0E348D2609}" type="datetimeFigureOut">
               <a:rPr lang="en-US" smtClean="0"/>
-              <a:t>9/15/2020</a:t>
+              <a:t>9/17/2020</a:t>
             </a:fld>
             <a:endParaRPr lang="en-US" dirty="0"/>
           </a:p>
@@ -2543,7 +2543,7 @@
           <a:p>
             <a:fld id="{8AAA073D-A903-47F8-8D16-77642FB0DF1F}" type="datetimeFigureOut">
               <a:rPr lang="en-US" smtClean="0"/>
-              <a:t>9/15/2020</a:t>
+              <a:t>9/17/2020</a:t>
             </a:fld>
             <a:endParaRPr lang="en-US" dirty="0"/>
           </a:p>
@@ -2776,7 +2776,7 @@
           <a:p>
             <a:fld id="{AB91FA40-626B-4CA1-85D0-7A9016E395BA}" type="datetimeFigureOut">
               <a:rPr lang="en-US" smtClean="0"/>
-              <a:t>9/15/2020</a:t>
+              <a:t>9/17/2020</a:t>
             </a:fld>
             <a:endParaRPr lang="en-US" dirty="0"/>
           </a:p>
@@ -3144,7 +3144,7 @@
           <a:p>
             <a:fld id="{C3F425EA-B9DC-48A7-991E-9A82573B1B21}" type="datetimeFigureOut">
               <a:rPr lang="en-US" smtClean="0"/>
-              <a:t>9/15/2020</a:t>
+              <a:t>9/17/2020</a:t>
             </a:fld>
             <a:endParaRPr lang="en-US" dirty="0"/>
           </a:p>
@@ -3263,7 +3263,7 @@
           <a:p>
             <a:fld id="{66CB97F8-6CEB-469B-AFCC-889F2A2B1D5A}" type="datetimeFigureOut">
               <a:rPr lang="en-US" smtClean="0"/>
-              <a:t>9/15/2020</a:t>
+              <a:t>9/17/2020</a:t>
             </a:fld>
             <a:endParaRPr lang="en-US" dirty="0"/>
           </a:p>
@@ -3359,7 +3359,7 @@
           <a:p>
             <a:fld id="{8FA9179F-009E-4FA5-B091-7EBB82A185BD}" type="datetimeFigureOut">
               <a:rPr lang="en-US" smtClean="0"/>
-              <a:t>9/15/2020</a:t>
+              <a:t>9/17/2020</a:t>
             </a:fld>
             <a:endParaRPr lang="en-US" dirty="0"/>
           </a:p>
@@ -3637,7 +3637,7 @@
           <a:p>
             <a:fld id="{8E665CEB-0076-4E37-B880-BCEA9784DE0A}" type="datetimeFigureOut">
               <a:rPr lang="en-US" smtClean="0"/>
-              <a:t>9/15/2020</a:t>
+              <a:t>9/17/2020</a:t>
             </a:fld>
             <a:endParaRPr lang="en-US" dirty="0"/>
           </a:p>
@@ -3895,7 +3895,7 @@
           <a:p>
             <a:fld id="{A6149E5E-3896-4118-99A7-7B85668F1C5E}" type="datetimeFigureOut">
               <a:rPr lang="en-US" smtClean="0"/>
-              <a:t>9/15/2020</a:t>
+              <a:t>9/17/2020</a:t>
             </a:fld>
             <a:endParaRPr lang="en-US" dirty="0"/>
           </a:p>
@@ -4109,7 +4109,7 @@
           <a:p>
             <a:fld id="{7E0D914D-B099-4142-A885-11F276715148}" type="datetimeFigureOut">
               <a:rPr lang="en-US" smtClean="0"/>
-              <a:t>9/15/2020</a:t>
+              <a:t>9/17/2020</a:t>
             </a:fld>
             <a:endParaRPr lang="en-US" dirty="0"/>
           </a:p>
@@ -4616,26 +4616,41 @@
             <p:ph type="title"/>
           </p:nvPr>
         </p:nvSpPr>
-        <p:spPr/>
-        <p:txBody>
-          <a:bodyPr/>
-          <a:lstStyle/>
-          <a:p>
-            <a:r>
-              <a:rPr lang="en-GB" dirty="0">
+        <p:spPr>
+          <a:xfrm>
+            <a:off x="838200" y="365125"/>
+            <a:ext cx="8652310" cy="568526"/>
+          </a:xfrm>
+        </p:spPr>
+        <p:txBody>
+          <a:bodyPr>
+            <a:normAutofit fontScale="90000"/>
+          </a:bodyPr>
+          <a:lstStyle/>
+          <a:p>
+            <a:r>
+              <a:rPr lang="es-ES" dirty="0" err="1">
                 <a:solidFill>
                   <a:srgbClr val="FF0000"/>
                 </a:solidFill>
               </a:rPr>
-              <a:t>Regresión no lineal: </a:t>
-            </a:r>
-            <a:r>
-              <a:rPr lang="en-GB" dirty="0" err="1">
+              <a:t>Kmeans</a:t>
+            </a:r>
+            <a:r>
+              <a:rPr lang="es-ES" dirty="0">
                 <a:solidFill>
                   <a:srgbClr val="FF0000"/>
                 </a:solidFill>
               </a:rPr>
-              <a:t>regresión</a:t>
+              <a:t>: funcionamiento, por </a:t>
+            </a:r>
+            <a:r>
+              <a:rPr lang="es-ES" dirty="0" err="1">
+                <a:solidFill>
+                  <a:srgbClr val="FF0000"/>
+                </a:solidFill>
+              </a:rPr>
+              <a:t>itereración</a:t>
             </a:r>
             <a:endParaRPr lang="es-ES" dirty="0">
               <a:solidFill>
@@ -4647,10 +4662,10 @@
       </p:sp>
       <p:pic>
         <p:nvPicPr>
-          <p:cNvPr id="7" name="Picture 6">
+          <p:cNvPr id="8" name="Picture 7">
             <a:extLst>
               <a:ext uri="{FF2B5EF4-FFF2-40B4-BE49-F238E27FC236}">
-                <a16:creationId xmlns:a16="http://schemas.microsoft.com/office/drawing/2014/main" id="{F8028DC4-3B50-46C8-BFA2-3D2D53F72147}"/>
+                <a16:creationId xmlns:a16="http://schemas.microsoft.com/office/drawing/2014/main" id="{CF4F2C49-A725-4A79-AA9B-1F6E11BB7AEA}"/>
               </a:ext>
             </a:extLst>
           </p:cNvPr>
@@ -4667,142 +4682,18 @@
         </p:blipFill>
         <p:spPr>
           <a:xfrm>
-            <a:off x="1974358" y="5112214"/>
-            <a:ext cx="8754697" cy="704948"/>
+            <a:off x="2813687" y="1188135"/>
+            <a:ext cx="6564626" cy="5227738"/>
           </a:xfrm>
           <a:prstGeom prst="rect">
             <a:avLst/>
           </a:prstGeom>
         </p:spPr>
       </p:pic>
-      <p:pic>
-        <p:nvPicPr>
-          <p:cNvPr id="8" name="Picture 4" descr="Función cuadrática o parábola">
-            <a:extLst>
-              <a:ext uri="{FF2B5EF4-FFF2-40B4-BE49-F238E27FC236}">
-                <a16:creationId xmlns:a16="http://schemas.microsoft.com/office/drawing/2014/main" id="{86D34BEF-77EF-485A-9305-476A35501845}"/>
-              </a:ext>
-            </a:extLst>
-          </p:cNvPr>
-          <p:cNvPicPr>
-            <a:picLocks noChangeAspect="1" noChangeArrowheads="1"/>
-          </p:cNvPicPr>
-          <p:nvPr/>
-        </p:nvPicPr>
-        <p:blipFill>
-          <a:blip r:embed="rId4">
-            <a:extLst>
-              <a:ext uri="{28A0092B-C50C-407E-A947-70E740481C1C}">
-                <a14:useLocalDpi xmlns:a14="http://schemas.microsoft.com/office/drawing/2010/main" val="0"/>
-              </a:ext>
-            </a:extLst>
-          </a:blip>
-          <a:srcRect/>
-          <a:stretch>
-            <a:fillRect/>
-          </a:stretch>
-        </p:blipFill>
-        <p:spPr bwMode="auto">
-          <a:xfrm>
-            <a:off x="1661938" y="1690688"/>
-            <a:ext cx="1752600" cy="3028950"/>
-          </a:xfrm>
-          <a:prstGeom prst="rect">
-            <a:avLst/>
-          </a:prstGeom>
-          <a:noFill/>
-          <a:extLst>
-            <a:ext uri="{909E8E84-426E-40DD-AFC4-6F175D3DCCD1}">
-              <a14:hiddenFill xmlns:a14="http://schemas.microsoft.com/office/drawing/2010/main">
-                <a:solidFill>
-                  <a:srgbClr val="FFFFFF"/>
-                </a:solidFill>
-              </a14:hiddenFill>
-            </a:ext>
-          </a:extLst>
-        </p:spPr>
-      </p:pic>
-      <p:pic>
-        <p:nvPicPr>
-          <p:cNvPr id="9" name="Picture 8">
-            <a:extLst>
-              <a:ext uri="{FF2B5EF4-FFF2-40B4-BE49-F238E27FC236}">
-                <a16:creationId xmlns:a16="http://schemas.microsoft.com/office/drawing/2014/main" id="{7C3C5168-B1CB-46A4-86EB-75637D87167E}"/>
-              </a:ext>
-            </a:extLst>
-          </p:cNvPr>
-          <p:cNvPicPr>
-            <a:picLocks noChangeAspect="1"/>
-          </p:cNvPicPr>
-          <p:nvPr/>
-        </p:nvPicPr>
-        <p:blipFill>
-          <a:blip r:embed="rId5"/>
-          <a:stretch>
-            <a:fillRect/>
-          </a:stretch>
-        </p:blipFill>
-        <p:spPr>
-          <a:xfrm>
-            <a:off x="4477877" y="1745786"/>
-            <a:ext cx="2288683" cy="3061971"/>
-          </a:xfrm>
-          <a:prstGeom prst="rect">
-            <a:avLst/>
-          </a:prstGeom>
-        </p:spPr>
-      </p:pic>
-      <p:pic>
-        <p:nvPicPr>
-          <p:cNvPr id="10" name="Picture 12" descr="Función polinómica">
-            <a:extLst>
-              <a:ext uri="{FF2B5EF4-FFF2-40B4-BE49-F238E27FC236}">
-                <a16:creationId xmlns:a16="http://schemas.microsoft.com/office/drawing/2014/main" id="{344A3525-9762-4A6F-9D74-D1ADC42C3970}"/>
-              </a:ext>
-            </a:extLst>
-          </p:cNvPr>
-          <p:cNvPicPr>
-            <a:picLocks noChangeAspect="1" noChangeArrowheads="1"/>
-          </p:cNvPicPr>
-          <p:nvPr/>
-        </p:nvPicPr>
-        <p:blipFill>
-          <a:blip r:embed="rId6">
-            <a:extLst>
-              <a:ext uri="{28A0092B-C50C-407E-A947-70E740481C1C}">
-                <a14:useLocalDpi xmlns:a14="http://schemas.microsoft.com/office/drawing/2010/main" val="0"/>
-              </a:ext>
-            </a:extLst>
-          </a:blip>
-          <a:srcRect/>
-          <a:stretch>
-            <a:fillRect/>
-          </a:stretch>
-        </p:blipFill>
-        <p:spPr bwMode="auto">
-          <a:xfrm>
-            <a:off x="7418162" y="1905997"/>
-            <a:ext cx="4467308" cy="2598332"/>
-          </a:xfrm>
-          <a:prstGeom prst="rect">
-            <a:avLst/>
-          </a:prstGeom>
-          <a:noFill/>
-          <a:extLst>
-            <a:ext uri="{909E8E84-426E-40DD-AFC4-6F175D3DCCD1}">
-              <a14:hiddenFill xmlns:a14="http://schemas.microsoft.com/office/drawing/2010/main">
-                <a:solidFill>
-                  <a:srgbClr val="FFFFFF"/>
-                </a:solidFill>
-              </a14:hiddenFill>
-            </a:ext>
-          </a:extLst>
-        </p:spPr>
-      </p:pic>
     </p:spTree>
     <p:extLst>
       <p:ext uri="{BB962C8B-B14F-4D97-AF65-F5344CB8AC3E}">
-        <p14:creationId xmlns:p14="http://schemas.microsoft.com/office/powerpoint/2010/main" val="3700216860"/>
+        <p14:creationId xmlns:p14="http://schemas.microsoft.com/office/powerpoint/2010/main" val="3054564279"/>
       </p:ext>
     </p:extLst>
   </p:cSld>
@@ -4845,75 +4736,137 @@
             <p:ph type="title"/>
           </p:nvPr>
         </p:nvSpPr>
-        <p:spPr/>
-        <p:txBody>
-          <a:bodyPr/>
-          <a:lstStyle/>
-          <a:p>
+        <p:spPr>
+          <a:xfrm>
+            <a:off x="838199" y="365125"/>
+            <a:ext cx="8921817" cy="1030538"/>
+          </a:xfrm>
+        </p:spPr>
+        <p:txBody>
+          <a:bodyPr>
+            <a:normAutofit/>
+          </a:bodyPr>
+          <a:lstStyle/>
+          <a:p>
+            <a:r>
+              <a:rPr lang="es-ES" dirty="0" err="1">
+                <a:solidFill>
+                  <a:srgbClr val="FF0000"/>
+                </a:solidFill>
+              </a:rPr>
+              <a:t>Kmeans</a:t>
+            </a:r>
             <a:r>
               <a:rPr lang="es-ES" dirty="0">
                 <a:solidFill>
                   <a:srgbClr val="FF0000"/>
                 </a:solidFill>
               </a:rPr>
-              <a:t>Árbol de decisión: clasificación &amp; regresión</a:t>
+              <a:t>: </a:t>
+            </a:r>
+            <a:r>
+              <a:rPr lang="es-ES" dirty="0" err="1">
+                <a:solidFill>
+                  <a:srgbClr val="FF0000"/>
+                </a:solidFill>
+              </a:rPr>
+              <a:t>random</a:t>
+            </a:r>
+            <a:r>
+              <a:rPr lang="es-ES" dirty="0">
+                <a:solidFill>
+                  <a:srgbClr val="FF0000"/>
+                </a:solidFill>
+              </a:rPr>
+              <a:t> </a:t>
+            </a:r>
+            <a:r>
+              <a:rPr lang="es-ES" dirty="0" err="1">
+                <a:solidFill>
+                  <a:srgbClr val="FF0000"/>
+                </a:solidFill>
+              </a:rPr>
+              <a:t>init</a:t>
+            </a:r>
+            <a:r>
+              <a:rPr lang="es-ES" dirty="0">
+                <a:solidFill>
+                  <a:srgbClr val="FF0000"/>
+                </a:solidFill>
+              </a:rPr>
+              <a:t>, </a:t>
+            </a:r>
+            <a:r>
+              <a:rPr lang="es-ES" dirty="0" err="1">
+                <a:solidFill>
+                  <a:srgbClr val="FF0000"/>
+                </a:solidFill>
+              </a:rPr>
+              <a:t>good</a:t>
+            </a:r>
+            <a:r>
+              <a:rPr lang="es-ES" dirty="0">
+                <a:solidFill>
+                  <a:srgbClr val="FF0000"/>
+                </a:solidFill>
+              </a:rPr>
+              <a:t> </a:t>
+            </a:r>
+            <a:r>
+              <a:rPr lang="es-ES" dirty="0" err="1">
+                <a:solidFill>
+                  <a:srgbClr val="FF0000"/>
+                </a:solidFill>
+              </a:rPr>
+              <a:t>init</a:t>
+            </a:r>
+            <a:r>
+              <a:rPr lang="es-ES" dirty="0">
+                <a:solidFill>
+                  <a:srgbClr val="FF0000"/>
+                </a:solidFill>
+              </a:rPr>
+              <a:t> </a:t>
             </a:r>
           </a:p>
         </p:txBody>
       </p:sp>
       <p:pic>
         <p:nvPicPr>
-          <p:cNvPr id="11" name="Picture 2" descr="decision tree loan approval">
+          <p:cNvPr id="3" name="Picture 2">
             <a:extLst>
               <a:ext uri="{FF2B5EF4-FFF2-40B4-BE49-F238E27FC236}">
-                <a16:creationId xmlns:a16="http://schemas.microsoft.com/office/drawing/2014/main" id="{348B4087-5C59-4674-8F27-B5F1389893C0}"/>
+                <a16:creationId xmlns:a16="http://schemas.microsoft.com/office/drawing/2014/main" id="{4A5CFF90-AE9A-4402-A995-8DFDA74C8E38}"/>
               </a:ext>
             </a:extLst>
           </p:cNvPr>
           <p:cNvPicPr>
-            <a:picLocks noChangeAspect="1" noChangeArrowheads="1"/>
+            <a:picLocks noChangeAspect="1"/>
           </p:cNvPicPr>
           <p:nvPr/>
         </p:nvPicPr>
         <p:blipFill>
-          <a:blip r:embed="rId3">
-            <a:extLst>
-              <a:ext uri="{28A0092B-C50C-407E-A947-70E740481C1C}">
-                <a14:useLocalDpi xmlns:a14="http://schemas.microsoft.com/office/drawing/2010/main" val="0"/>
-              </a:ext>
-            </a:extLst>
-          </a:blip>
-          <a:srcRect/>
+          <a:blip r:embed="rId3"/>
           <a:stretch>
             <a:fillRect/>
           </a:stretch>
         </p:blipFill>
-        <p:spPr bwMode="auto">
+        <p:spPr>
           <a:xfrm>
-            <a:off x="768495" y="2022762"/>
-            <a:ext cx="5327505" cy="3415920"/>
+            <a:off x="1104203" y="1509855"/>
+            <a:ext cx="9983593" cy="2991267"/>
           </a:xfrm>
           <a:prstGeom prst="rect">
             <a:avLst/>
           </a:prstGeom>
-          <a:noFill/>
-          <a:extLst>
-            <a:ext uri="{909E8E84-426E-40DD-AFC4-6F175D3DCCD1}">
-              <a14:hiddenFill xmlns:a14="http://schemas.microsoft.com/office/drawing/2010/main">
-                <a:solidFill>
-                  <a:srgbClr val="FFFFFF"/>
-                </a:solidFill>
-              </a14:hiddenFill>
-            </a:ext>
-          </a:extLst>
         </p:spPr>
       </p:pic>
       <p:pic>
         <p:nvPicPr>
-          <p:cNvPr id="12" name="Picture 11">
+          <p:cNvPr id="4" name="Picture 3">
             <a:extLst>
               <a:ext uri="{FF2B5EF4-FFF2-40B4-BE49-F238E27FC236}">
-                <a16:creationId xmlns:a16="http://schemas.microsoft.com/office/drawing/2014/main" id="{88595CCD-6E27-4C51-A29C-ED8DDC86C48A}"/>
+                <a16:creationId xmlns:a16="http://schemas.microsoft.com/office/drawing/2014/main" id="{85747B6B-63AD-428B-A3EF-EFFAC7A7F39F}"/>
               </a:ext>
             </a:extLst>
           </p:cNvPr>
@@ -4930,8 +4883,8 @@
         </p:blipFill>
         <p:spPr>
           <a:xfrm>
-            <a:off x="6720839" y="2000442"/>
-            <a:ext cx="4933875" cy="3438240"/>
+            <a:off x="2556967" y="5254299"/>
+            <a:ext cx="7078063" cy="666843"/>
           </a:xfrm>
           <a:prstGeom prst="rect">
             <a:avLst/>
@@ -4941,7 +4894,7 @@
     </p:spTree>
     <p:extLst>
       <p:ext uri="{BB962C8B-B14F-4D97-AF65-F5344CB8AC3E}">
-        <p14:creationId xmlns:p14="http://schemas.microsoft.com/office/powerpoint/2010/main" val="3915256672"/>
+        <p14:creationId xmlns:p14="http://schemas.microsoft.com/office/powerpoint/2010/main" val="2631148175"/>
       </p:ext>
     </p:extLst>
   </p:cSld>
@@ -4984,9 +4937,16 @@
             <p:ph type="title"/>
           </p:nvPr>
         </p:nvSpPr>
-        <p:spPr/>
-        <p:txBody>
-          <a:bodyPr/>
+        <p:spPr>
+          <a:xfrm>
+            <a:off x="838199" y="365125"/>
+            <a:ext cx="10827620" cy="1030538"/>
+          </a:xfrm>
+        </p:spPr>
+        <p:txBody>
+          <a:bodyPr>
+            <a:normAutofit/>
+          </a:bodyPr>
           <a:lstStyle/>
           <a:p>
             <a:r>
@@ -4995,7 +4955,7 @@
                   <a:srgbClr val="FF0000"/>
                 </a:solidFill>
               </a:rPr>
-              <a:t>Random</a:t>
+              <a:t>Kmeans</a:t>
             </a:r>
             <a:r>
               <a:rPr lang="es-ES" dirty="0">
@@ -5003,7 +4963,7 @@
                   <a:srgbClr val="FF0000"/>
                 </a:solidFill>
               </a:rPr>
-              <a:t> Forest: ensemble </a:t>
+              <a:t>: </a:t>
             </a:r>
             <a:r>
               <a:rPr lang="es-ES" dirty="0" err="1">
@@ -5011,22 +4971,385 @@
                   <a:srgbClr val="FF0000"/>
                 </a:solidFill>
               </a:rPr>
-              <a:t>learning</a:t>
-            </a:r>
-            <a:endParaRPr lang="es-ES" dirty="0">
-              <a:solidFill>
-                <a:srgbClr val="FF0000"/>
-              </a:solidFill>
+              <a:t>inertia</a:t>
+            </a:r>
+            <a:r>
+              <a:rPr lang="es-ES" dirty="0">
+                <a:solidFill>
+                  <a:srgbClr val="FF0000"/>
+                </a:solidFill>
+              </a:rPr>
+              <a:t>, score y tiempo de ejecución</a:t>
+            </a:r>
+          </a:p>
+        </p:txBody>
+      </p:sp>
+      <p:sp>
+        <p:nvSpPr>
+          <p:cNvPr id="5" name="Content Placeholder 6">
+            <a:extLst>
+              <a:ext uri="{FF2B5EF4-FFF2-40B4-BE49-F238E27FC236}">
+                <a16:creationId xmlns:a16="http://schemas.microsoft.com/office/drawing/2014/main" id="{D02B10B7-EC03-4715-AD93-E5549DEA4EBB}"/>
+              </a:ext>
+            </a:extLst>
+          </p:cNvPr>
+          <p:cNvSpPr>
+            <a:spLocks noGrp="1"/>
+          </p:cNvSpPr>
+          <p:nvPr>
+            <p:ph sz="half" idx="1"/>
+          </p:nvPr>
+        </p:nvSpPr>
+        <p:spPr>
+          <a:xfrm>
+            <a:off x="1146206" y="1799924"/>
+            <a:ext cx="5206468" cy="4692951"/>
+          </a:xfrm>
+        </p:spPr>
+        <p:txBody>
+          <a:bodyPr>
+            <a:normAutofit/>
+          </a:bodyPr>
+          <a:lstStyle/>
+          <a:p>
+            <a:pPr marL="0" indent="0">
+              <a:spcBef>
+                <a:spcPts val="1200"/>
+              </a:spcBef>
+              <a:buNone/>
+            </a:pPr>
+            <a:r>
+              <a:rPr lang="en-GB" sz="1600" dirty="0">
+                <a:latin typeface="Consolas" panose="020B0609020204030204" pitchFamily="49" charset="0"/>
+              </a:rPr>
+              <a:t># Inertia: la media de las </a:t>
+            </a:r>
+            <a:r>
+              <a:rPr lang="en-GB" sz="1600" dirty="0" err="1">
+                <a:latin typeface="Consolas" panose="020B0609020204030204" pitchFamily="49" charset="0"/>
+              </a:rPr>
+              <a:t>distancias</a:t>
+            </a:r>
+            <a:r>
+              <a:rPr lang="en-GB" sz="1600" dirty="0">
+                <a:latin typeface="Consolas" panose="020B0609020204030204" pitchFamily="49" charset="0"/>
+              </a:rPr>
+              <a:t> al </a:t>
+            </a:r>
+            <a:r>
+              <a:rPr lang="en-GB" sz="1600" dirty="0" err="1">
+                <a:latin typeface="Consolas" panose="020B0609020204030204" pitchFamily="49" charset="0"/>
+              </a:rPr>
+              <a:t>cuadrado</a:t>
+            </a:r>
+            <a:r>
+              <a:rPr lang="en-GB" sz="1600" dirty="0">
+                <a:latin typeface="Consolas" panose="020B0609020204030204" pitchFamily="49" charset="0"/>
+              </a:rPr>
+              <a:t> entre </a:t>
+            </a:r>
+            <a:r>
+              <a:rPr lang="en-GB" sz="1600" dirty="0" err="1">
+                <a:latin typeface="Consolas" panose="020B0609020204030204" pitchFamily="49" charset="0"/>
+              </a:rPr>
+              <a:t>cada</a:t>
+            </a:r>
+            <a:r>
+              <a:rPr lang="en-GB" sz="1600" dirty="0">
+                <a:latin typeface="Consolas" panose="020B0609020204030204" pitchFamily="49" charset="0"/>
+              </a:rPr>
+              <a:t> punto y </a:t>
+            </a:r>
+            <a:r>
+              <a:rPr lang="en-GB" sz="1600" dirty="0" err="1">
+                <a:latin typeface="Consolas" panose="020B0609020204030204" pitchFamily="49" charset="0"/>
+              </a:rPr>
+              <a:t>su</a:t>
+            </a:r>
+            <a:r>
+              <a:rPr lang="en-GB" sz="1600" dirty="0">
+                <a:latin typeface="Consolas" panose="020B0609020204030204" pitchFamily="49" charset="0"/>
+              </a:rPr>
+              <a:t> </a:t>
+            </a:r>
+            <a:r>
+              <a:rPr lang="en-GB" sz="1600" dirty="0" err="1">
+                <a:latin typeface="Consolas" panose="020B0609020204030204" pitchFamily="49" charset="0"/>
+              </a:rPr>
+              <a:t>centroide</a:t>
+            </a:r>
+            <a:r>
+              <a:rPr lang="en-GB" sz="1600" dirty="0">
+                <a:latin typeface="Consolas" panose="020B0609020204030204" pitchFamily="49" charset="0"/>
+              </a:rPr>
+              <a:t>.</a:t>
+            </a:r>
+          </a:p>
+          <a:p>
+            <a:pPr marL="0" indent="0">
+              <a:spcBef>
+                <a:spcPts val="1200"/>
+              </a:spcBef>
+              <a:buNone/>
+            </a:pPr>
+            <a:endParaRPr lang="en-GB" sz="1600" dirty="0">
+              <a:latin typeface="Consolas" panose="020B0609020204030204" pitchFamily="49" charset="0"/>
             </a:endParaRPr>
+          </a:p>
+          <a:p>
+            <a:pPr marL="0" indent="0">
+              <a:spcBef>
+                <a:spcPts val="1200"/>
+              </a:spcBef>
+              <a:buNone/>
+            </a:pPr>
+            <a:r>
+              <a:rPr lang="en-GB" sz="1600" dirty="0">
+                <a:latin typeface="Consolas" panose="020B0609020204030204" pitchFamily="49" charset="0"/>
+              </a:rPr>
+              <a:t>print(</a:t>
+            </a:r>
+            <a:r>
+              <a:rPr lang="en-GB" sz="1600" dirty="0" err="1">
+                <a:latin typeface="Consolas" panose="020B0609020204030204" pitchFamily="49" charset="0"/>
+              </a:rPr>
+              <a:t>kmeans.inertia</a:t>
+            </a:r>
+            <a:r>
+              <a:rPr lang="en-GB" sz="1600" dirty="0">
+                <a:latin typeface="Consolas" panose="020B0609020204030204" pitchFamily="49" charset="0"/>
+              </a:rPr>
+              <a:t>_) </a:t>
+            </a:r>
+          </a:p>
+          <a:p>
+            <a:pPr marL="0" indent="0">
+              <a:spcBef>
+                <a:spcPts val="1200"/>
+              </a:spcBef>
+              <a:buNone/>
+            </a:pPr>
+            <a:r>
+              <a:rPr lang="es-ES" sz="1600" dirty="0">
+                <a:latin typeface="Consolas" panose="020B0609020204030204" pitchFamily="49" charset="0"/>
+                <a:hlinkClick r:id="rId3">
+                  <a:extLst>
+                    <a:ext uri="{A12FA001-AC4F-418D-AE19-62706E023703}">
+                      <ahyp:hlinkClr xmlns:ahyp="http://schemas.microsoft.com/office/drawing/2018/hyperlinkcolor" val="tx"/>
+                    </a:ext>
+                  </a:extLst>
+                </a:hlinkClick>
+              </a:rPr>
+              <a:t>&gt;&gt;&gt;</a:t>
+            </a:r>
+            <a:r>
+              <a:rPr lang="es-ES" sz="1600" dirty="0">
+                <a:latin typeface="Consolas" panose="020B0609020204030204" pitchFamily="49" charset="0"/>
+              </a:rPr>
+              <a:t> 211.5985372</a:t>
+            </a:r>
+          </a:p>
+          <a:p>
+            <a:pPr marL="0" indent="0">
+              <a:spcBef>
+                <a:spcPts val="1200"/>
+              </a:spcBef>
+              <a:buNone/>
+            </a:pPr>
+            <a:endParaRPr lang="es-ES" sz="1600" dirty="0">
+              <a:latin typeface="Consolas" panose="020B0609020204030204" pitchFamily="49" charset="0"/>
+            </a:endParaRPr>
+          </a:p>
+          <a:p>
+            <a:pPr marL="0" indent="0">
+              <a:spcBef>
+                <a:spcPts val="1200"/>
+              </a:spcBef>
+              <a:buNone/>
+            </a:pPr>
+            <a:r>
+              <a:rPr lang="en-GB" sz="1600" dirty="0">
+                <a:latin typeface="Consolas" panose="020B0609020204030204" pitchFamily="49" charset="0"/>
+              </a:rPr>
+              <a:t>print(</a:t>
+            </a:r>
+            <a:r>
+              <a:rPr lang="en-GB" sz="1600" dirty="0" err="1">
+                <a:latin typeface="Consolas" panose="020B0609020204030204" pitchFamily="49" charset="0"/>
+              </a:rPr>
+              <a:t>kmeans.score</a:t>
+            </a:r>
+            <a:r>
+              <a:rPr lang="en-GB" sz="1600" dirty="0">
+                <a:latin typeface="Consolas" panose="020B0609020204030204" pitchFamily="49" charset="0"/>
+              </a:rPr>
+              <a:t>(X)) </a:t>
+            </a:r>
+          </a:p>
+          <a:p>
+            <a:pPr marL="0" indent="0">
+              <a:spcBef>
+                <a:spcPts val="1200"/>
+              </a:spcBef>
+              <a:buNone/>
+            </a:pPr>
+            <a:r>
+              <a:rPr lang="es-ES" sz="1600" dirty="0">
+                <a:latin typeface="Consolas" panose="020B0609020204030204" pitchFamily="49" charset="0"/>
+                <a:hlinkClick r:id="rId3">
+                  <a:extLst>
+                    <a:ext uri="{A12FA001-AC4F-418D-AE19-62706E023703}">
+                      <ahyp:hlinkClr xmlns:ahyp="http://schemas.microsoft.com/office/drawing/2018/hyperlinkcolor" val="tx"/>
+                    </a:ext>
+                  </a:extLst>
+                </a:hlinkClick>
+              </a:rPr>
+              <a:t>&gt;&gt;&gt;</a:t>
+            </a:r>
+            <a:r>
+              <a:rPr lang="es-ES" sz="1600" dirty="0">
+                <a:latin typeface="Consolas" panose="020B0609020204030204" pitchFamily="49" charset="0"/>
+              </a:rPr>
+              <a:t> -211.5985372</a:t>
+            </a:r>
+          </a:p>
+          <a:p>
+            <a:pPr marL="0" indent="0">
+              <a:spcBef>
+                <a:spcPts val="1200"/>
+              </a:spcBef>
+              <a:buNone/>
+            </a:pPr>
+            <a:endParaRPr lang="en-GB" sz="1600" dirty="0">
+              <a:latin typeface="Consolas" panose="020B0609020204030204" pitchFamily="49" charset="0"/>
+            </a:endParaRPr>
+          </a:p>
+          <a:p>
+            <a:pPr marL="0" indent="0">
+              <a:buNone/>
+            </a:pPr>
+            <a:r>
+              <a:rPr lang="en-GB" sz="1800" dirty="0"/>
+              <a:t># ¿Por </a:t>
+            </a:r>
+            <a:r>
+              <a:rPr lang="en-GB" sz="1800" dirty="0" err="1"/>
+              <a:t>qué</a:t>
+            </a:r>
+            <a:r>
+              <a:rPr lang="en-GB" sz="1800" dirty="0"/>
+              <a:t> </a:t>
+            </a:r>
+            <a:r>
+              <a:rPr lang="en-GB" sz="1800" dirty="0" err="1"/>
+              <a:t>negativo</a:t>
+            </a:r>
+            <a:r>
+              <a:rPr lang="en-GB" sz="1800" dirty="0"/>
+              <a:t>? </a:t>
+            </a:r>
+            <a:r>
+              <a:rPr lang="en-GB" sz="1800" dirty="0" err="1"/>
+              <a:t>Porque</a:t>
+            </a:r>
+            <a:r>
+              <a:rPr lang="en-GB" sz="1800" dirty="0"/>
+              <a:t> el score de </a:t>
+            </a:r>
+            <a:r>
+              <a:rPr lang="en-GB" sz="1800" dirty="0" err="1"/>
+              <a:t>scikitlearn</a:t>
+            </a:r>
+            <a:r>
+              <a:rPr lang="en-GB" sz="1800" dirty="0"/>
+              <a:t> </a:t>
+            </a:r>
+            <a:r>
+              <a:rPr lang="en-GB" sz="1800" dirty="0" err="1"/>
+              <a:t>respeta</a:t>
+            </a:r>
+            <a:r>
+              <a:rPr lang="en-GB" sz="1800" dirty="0"/>
+              <a:t> el “</a:t>
+            </a:r>
+            <a:r>
+              <a:rPr lang="en-GB" sz="1800" dirty="0" err="1"/>
+              <a:t>más</a:t>
+            </a:r>
+            <a:r>
+              <a:rPr lang="en-GB" sz="1800" dirty="0"/>
+              <a:t> alto, </a:t>
+            </a:r>
+            <a:r>
+              <a:rPr lang="en-GB" sz="1800" dirty="0" err="1"/>
+              <a:t>mejor</a:t>
+            </a:r>
+            <a:r>
+              <a:rPr lang="en-GB" sz="1800" dirty="0"/>
+              <a:t>“.</a:t>
+            </a:r>
+          </a:p>
+          <a:p>
+            <a:pPr marL="0" indent="0">
+              <a:buNone/>
+            </a:pPr>
+            <a:endParaRPr lang="en-GB" sz="1800" dirty="0"/>
+          </a:p>
+          <a:p>
+            <a:pPr marL="0" indent="0">
+              <a:buNone/>
+            </a:pPr>
+            <a:r>
+              <a:rPr lang="en-GB" sz="1800" dirty="0"/>
+              <a:t># </a:t>
+            </a:r>
+            <a:r>
+              <a:rPr lang="en-GB" sz="1800" dirty="0" err="1"/>
+              <a:t>Objetivo</a:t>
+            </a:r>
+            <a:r>
+              <a:rPr lang="en-GB" sz="1800" dirty="0"/>
+              <a:t>: </a:t>
+            </a:r>
+            <a:r>
+              <a:rPr lang="en-GB" sz="1800" dirty="0" err="1"/>
+              <a:t>encontrar</a:t>
+            </a:r>
+            <a:r>
+              <a:rPr lang="en-GB" sz="1800" dirty="0"/>
+              <a:t> </a:t>
+            </a:r>
+            <a:r>
+              <a:rPr lang="en-GB" sz="1800" dirty="0" err="1"/>
+              <a:t>mejor</a:t>
+            </a:r>
+            <a:r>
+              <a:rPr lang="en-GB" sz="1800" dirty="0"/>
+              <a:t> K por </a:t>
+            </a:r>
+            <a:r>
+              <a:rPr lang="en-GB" sz="1800" dirty="0" err="1"/>
+              <a:t>tiempo</a:t>
+            </a:r>
+            <a:r>
+              <a:rPr lang="en-GB" sz="1800" dirty="0"/>
+              <a:t>.</a:t>
+            </a:r>
+          </a:p>
+          <a:p>
+            <a:pPr marL="0" indent="0">
+              <a:buNone/>
+            </a:pPr>
+            <a:endParaRPr lang="es-ES" dirty="0"/>
           </a:p>
         </p:txBody>
       </p:sp>
       <p:pic>
         <p:nvPicPr>
-          <p:cNvPr id="5" name="Picture 2" descr="random forest ensemble">
+          <p:cNvPr id="4098" name="Picture 2" descr="K-Means Clustering: From A to Z. Everything you need to know about… | by  Azika Amelia | Towards Data Science">
             <a:extLst>
               <a:ext uri="{FF2B5EF4-FFF2-40B4-BE49-F238E27FC236}">
-                <a16:creationId xmlns:a16="http://schemas.microsoft.com/office/drawing/2014/main" id="{E1540FE4-2D3E-4FA3-AB73-B0D5C60CAB91}"/>
+                <a16:creationId xmlns:a16="http://schemas.microsoft.com/office/drawing/2014/main" id="{86025507-0945-4DD1-A661-CE5930A08386}"/>
               </a:ext>
             </a:extLst>
           </p:cNvPr>
@@ -5036,7 +5359,7 @@
           <p:nvPr/>
         </p:nvPicPr>
         <p:blipFill>
-          <a:blip r:embed="rId3">
+          <a:blip r:embed="rId4">
             <a:extLst>
               <a:ext uri="{28A0092B-C50C-407E-A947-70E740481C1C}">
                 <a14:useLocalDpi xmlns:a14="http://schemas.microsoft.com/office/drawing/2010/main" val="0"/>
@@ -5050,8 +5373,8 @@
         </p:blipFill>
         <p:spPr bwMode="auto">
           <a:xfrm>
-            <a:off x="3285445" y="2091661"/>
-            <a:ext cx="5257801" cy="3561965"/>
+            <a:off x="7003583" y="2119764"/>
+            <a:ext cx="4191000" cy="3619500"/>
           </a:xfrm>
           <a:prstGeom prst="rect">
             <a:avLst/>
@@ -5071,7 +5394,7 @@
     </p:spTree>
     <p:extLst>
       <p:ext uri="{BB962C8B-B14F-4D97-AF65-F5344CB8AC3E}">
-        <p14:creationId xmlns:p14="http://schemas.microsoft.com/office/powerpoint/2010/main" val="1753070004"/>
+        <p14:creationId xmlns:p14="http://schemas.microsoft.com/office/powerpoint/2010/main" val="1883264806"/>
       </p:ext>
     </p:extLst>
   </p:cSld>
@@ -5295,8 +5618,8 @@
         </p:nvSpPr>
         <p:spPr>
           <a:xfrm>
-            <a:off x="838200" y="365125"/>
-            <a:ext cx="5806440" cy="2052652"/>
+            <a:off x="838199" y="365125"/>
+            <a:ext cx="8921817" cy="1030538"/>
           </a:xfrm>
         </p:spPr>
         <p:txBody>
@@ -5309,7 +5632,7 @@
                   <a:srgbClr val="FF0000"/>
                 </a:solidFill>
               </a:rPr>
-              <a:t>Supervisado: Algoritmos de regresión</a:t>
+              <a:t>No supervisado: tipos</a:t>
             </a:r>
           </a:p>
         </p:txBody>
@@ -5332,8 +5655,8 @@
         </p:nvSpPr>
         <p:spPr>
           <a:xfrm>
-            <a:off x="838200" y="2670224"/>
-            <a:ext cx="5257800" cy="2197990"/>
+            <a:off x="838200" y="1934678"/>
+            <a:ext cx="5257800" cy="3792354"/>
           </a:xfrm>
         </p:spPr>
         <p:txBody>
@@ -5344,11 +5667,56 @@
           <a:p>
             <a:r>
               <a:rPr lang="en-GB" sz="1800" dirty="0"/>
-              <a:t>Los </a:t>
+              <a:t>Clustering:  el </a:t>
             </a:r>
             <a:r>
               <a:rPr lang="en-GB" sz="1800" dirty="0" err="1"/>
-              <a:t>algoritmos</a:t>
+              <a:t>objetivo</a:t>
+            </a:r>
+            <a:r>
+              <a:rPr lang="en-GB" sz="1800" dirty="0"/>
+              <a:t> es </a:t>
+            </a:r>
+            <a:r>
+              <a:rPr lang="en-GB" sz="1800" dirty="0" err="1"/>
+              <a:t>agrupar</a:t>
+            </a:r>
+            <a:r>
+              <a:rPr lang="en-GB" sz="1800" dirty="0"/>
+              <a:t> </a:t>
+            </a:r>
+            <a:r>
+              <a:rPr lang="en-GB" sz="1800" dirty="0" err="1"/>
+              <a:t>instancias</a:t>
+            </a:r>
+            <a:r>
+              <a:rPr lang="en-GB" sz="1800" dirty="0"/>
+              <a:t> </a:t>
+            </a:r>
+            <a:r>
+              <a:rPr lang="en-GB" sz="1800" dirty="0" err="1"/>
+              <a:t>similares</a:t>
+            </a:r>
+            <a:r>
+              <a:rPr lang="en-GB" sz="1800" dirty="0"/>
+              <a:t> </a:t>
+            </a:r>
+            <a:r>
+              <a:rPr lang="en-GB" sz="1800" dirty="0" err="1"/>
+              <a:t>en</a:t>
+            </a:r>
+            <a:r>
+              <a:rPr lang="en-GB" sz="1800" dirty="0"/>
+              <a:t> clusters. </a:t>
+            </a:r>
+          </a:p>
+          <a:p>
+            <a:endParaRPr lang="en-GB" sz="1800" dirty="0"/>
+          </a:p>
+          <a:p>
+            <a:r>
+              <a:rPr lang="en-GB" sz="1800" dirty="0" err="1"/>
+              <a:t>Detección</a:t>
             </a:r>
             <a:r>
               <a:rPr lang="en-GB" sz="1800" dirty="0"/>
@@ -5356,7 +5724,23 @@
             </a:r>
             <a:r>
               <a:rPr lang="en-GB" sz="1800" dirty="0" err="1"/>
-              <a:t>regresión</a:t>
+              <a:t>anomalías</a:t>
+            </a:r>
+            <a:r>
+              <a:rPr lang="en-GB" sz="1800" dirty="0"/>
+              <a:t>: el </a:t>
+            </a:r>
+            <a:r>
+              <a:rPr lang="en-GB" sz="1800" dirty="0" err="1"/>
+              <a:t>objetivo</a:t>
+            </a:r>
+            <a:r>
+              <a:rPr lang="en-GB" sz="1800" dirty="0"/>
+              <a:t> es </a:t>
+            </a:r>
+            <a:r>
+              <a:rPr lang="en-GB" sz="1800" dirty="0" err="1"/>
+              <a:t>aprender</a:t>
             </a:r>
             <a:r>
               <a:rPr lang="en-GB" sz="1800" dirty="0"/>
@@ -5364,7 +5748,15 @@
             </a:r>
             <a:r>
               <a:rPr lang="en-GB" sz="1800" dirty="0" err="1"/>
-              <a:t>tienen</a:t>
+              <a:t>qué</a:t>
+            </a:r>
+            <a:r>
+              <a:rPr lang="en-GB" sz="1800" dirty="0"/>
+              <a:t> son los </a:t>
+            </a:r>
+            <a:r>
+              <a:rPr lang="en-GB" sz="1800" dirty="0" err="1"/>
+              <a:t>datos</a:t>
             </a:r>
             <a:r>
               <a:rPr lang="en-GB" sz="1800" dirty="0"/>
@@ -5372,7 +5764,7 @@
             </a:r>
             <a:r>
               <a:rPr lang="en-GB" sz="1800" dirty="0" err="1"/>
-              <a:t>como</a:t>
+              <a:t>aparentemente</a:t>
             </a:r>
             <a:r>
               <a:rPr lang="en-GB" sz="1800" dirty="0"/>
@@ -5380,7 +5772,39 @@
             </a:r>
             <a:r>
               <a:rPr lang="en-GB" sz="1800" dirty="0" err="1"/>
-              <a:t>objetivo</a:t>
+              <a:t>normales</a:t>
+            </a:r>
+            <a:r>
+              <a:rPr lang="en-GB" sz="1800" dirty="0"/>
+              <a:t> para </a:t>
+            </a:r>
+            <a:r>
+              <a:rPr lang="en-GB" sz="1800" dirty="0" err="1"/>
+              <a:t>encontrar</a:t>
+            </a:r>
+            <a:r>
+              <a:rPr lang="en-GB" sz="1800" dirty="0"/>
+              <a:t> los </a:t>
+            </a:r>
+            <a:r>
+              <a:rPr lang="en-GB" sz="1800" dirty="0" err="1"/>
+              <a:t>anormales</a:t>
+            </a:r>
+            <a:r>
+              <a:rPr lang="en-GB" sz="1800" dirty="0"/>
+              <a:t>. </a:t>
+            </a:r>
+            <a:r>
+              <a:rPr lang="en-GB" sz="1800" dirty="0" err="1"/>
+              <a:t>En</a:t>
+            </a:r>
+            <a:r>
+              <a:rPr lang="en-GB" sz="1800" dirty="0"/>
+              <a:t> series </a:t>
+            </a:r>
+            <a:r>
+              <a:rPr lang="en-GB" sz="1800" dirty="0" err="1"/>
+              <a:t>temporales</a:t>
             </a:r>
             <a:r>
               <a:rPr lang="en-GB" sz="1800" dirty="0"/>
@@ -5388,7 +5812,23 @@
             </a:r>
             <a:r>
               <a:rPr lang="en-GB" sz="1800" dirty="0" err="1"/>
-              <a:t>predecir</a:t>
+              <a:t>trataría</a:t>
+            </a:r>
+            <a:r>
+              <a:rPr lang="en-GB" sz="1800" dirty="0"/>
+              <a:t> de </a:t>
+            </a:r>
+            <a:r>
+              <a:rPr lang="en-GB" sz="1800" dirty="0" err="1"/>
+              <a:t>encontrar</a:t>
+            </a:r>
+            <a:r>
+              <a:rPr lang="en-GB" sz="1800" dirty="0"/>
+              <a:t> outliers y </a:t>
+            </a:r>
+            <a:r>
+              <a:rPr lang="en-GB" sz="1800" dirty="0" err="1"/>
+              <a:t>nuevas</a:t>
             </a:r>
             <a:r>
               <a:rPr lang="en-GB" sz="1800" dirty="0"/>
@@ -5396,7 +5836,76 @@
             </a:r>
             <a:r>
               <a:rPr lang="en-GB" sz="1800" dirty="0" err="1"/>
-              <a:t>valores</a:t>
+              <a:t>tendencias</a:t>
+            </a:r>
+            <a:r>
+              <a:rPr lang="en-GB" sz="1800" dirty="0"/>
+              <a:t>. </a:t>
+            </a:r>
+          </a:p>
+          <a:p>
+            <a:endParaRPr lang="en-GB" sz="1800" dirty="0"/>
+          </a:p>
+          <a:p>
+            <a:r>
+              <a:rPr lang="en-GB" sz="1800" dirty="0" err="1"/>
+              <a:t>Estimación</a:t>
+            </a:r>
+            <a:r>
+              <a:rPr lang="en-GB" sz="1800" dirty="0"/>
+              <a:t> de </a:t>
+            </a:r>
+            <a:r>
+              <a:rPr lang="en-GB" sz="1800" dirty="0" err="1"/>
+              <a:t>densidad</a:t>
+            </a:r>
+            <a:r>
+              <a:rPr lang="en-GB" sz="1800" dirty="0"/>
+              <a:t>: </a:t>
+            </a:r>
+            <a:r>
+              <a:rPr lang="en-GB" sz="1800" dirty="0" err="1"/>
+              <a:t>trata</a:t>
+            </a:r>
+            <a:r>
+              <a:rPr lang="en-GB" sz="1800" dirty="0"/>
+              <a:t> de </a:t>
+            </a:r>
+            <a:r>
+              <a:rPr lang="en-GB" sz="1800" dirty="0" err="1"/>
+              <a:t>estimar</a:t>
+            </a:r>
+            <a:r>
+              <a:rPr lang="en-GB" sz="1800" dirty="0"/>
+              <a:t> la </a:t>
+            </a:r>
+            <a:r>
+              <a:rPr lang="en-GB" sz="1800" dirty="0" err="1"/>
+              <a:t>función</a:t>
+            </a:r>
+            <a:r>
+              <a:rPr lang="en-GB" sz="1800" dirty="0"/>
+              <a:t> de </a:t>
+            </a:r>
+            <a:r>
+              <a:rPr lang="en-GB" sz="1800" dirty="0" err="1"/>
+              <a:t>densidad</a:t>
+            </a:r>
+            <a:r>
+              <a:rPr lang="en-GB" sz="1800" dirty="0"/>
+              <a:t> de </a:t>
+            </a:r>
+            <a:r>
+              <a:rPr lang="en-GB" sz="1800" dirty="0" err="1"/>
+              <a:t>probabilidad</a:t>
+            </a:r>
+            <a:r>
+              <a:rPr lang="en-GB" sz="1800" dirty="0"/>
+              <a:t> (probability density function PDF) de los </a:t>
+            </a:r>
+            <a:r>
+              <a:rPr lang="en-GB" sz="1800" dirty="0" err="1"/>
+              <a:t>procesos</a:t>
             </a:r>
             <a:r>
               <a:rPr lang="en-GB" sz="1800" dirty="0"/>
@@ -5404,52 +5913,35 @@
             </a:r>
             <a:r>
               <a:rPr lang="en-GB" sz="1800" dirty="0" err="1"/>
-              <a:t>continuos</a:t>
+              <a:t>aleatorios</a:t>
             </a:r>
             <a:r>
               <a:rPr lang="en-GB" sz="1800" dirty="0"/>
-              <a:t> (1, 2.3, 5, 6954.2,…).</a:t>
-            </a:r>
-          </a:p>
-          <a:p>
-            <a:endParaRPr lang="en-GB" sz="1800" dirty="0"/>
-          </a:p>
-          <a:p>
+              <a:t> </a:t>
+            </a:r>
+            <a:r>
+              <a:rPr lang="en-GB" sz="1800" dirty="0" err="1"/>
+              <a:t>generados</a:t>
+            </a:r>
             <a:r>
               <a:rPr lang="en-GB" sz="1800" dirty="0"/>
-              <a:t>Parten de una </a:t>
+              <a:t> </a:t>
             </a:r>
             <a:r>
               <a:rPr lang="en-GB" sz="1800" dirty="0" err="1"/>
-              <a:t>fórmula</a:t>
+              <a:t>en</a:t>
             </a:r>
             <a:r>
               <a:rPr lang="en-GB" sz="1800" dirty="0"/>
-              <a:t> para la </a:t>
+              <a:t> el conjunto de </a:t>
             </a:r>
             <a:r>
               <a:rPr lang="en-GB" sz="1800" dirty="0" err="1"/>
-              <a:t>creación</a:t>
+              <a:t>datos</a:t>
             </a:r>
             <a:r>
               <a:rPr lang="en-GB" sz="1800" dirty="0"/>
-              <a:t> de la </a:t>
-            </a:r>
-            <a:r>
-              <a:rPr lang="en-GB" sz="1800" dirty="0" err="1"/>
-              <a:t>línea</a:t>
-            </a:r>
-            <a:r>
-              <a:rPr lang="en-GB" sz="1800" dirty="0"/>
-              <a:t> o </a:t>
-            </a:r>
-            <a:r>
-              <a:rPr lang="en-GB" sz="1800" dirty="0" err="1"/>
-              <a:t>curva</a:t>
-            </a:r>
-            <a:r>
-              <a:rPr lang="en-GB" sz="1800" dirty="0"/>
-              <a:t>: </a:t>
+              <a:t>. </a:t>
             </a:r>
           </a:p>
           <a:p>
@@ -5463,6 +5955,66 @@
           </a:p>
         </p:txBody>
       </p:sp>
+      <p:pic>
+        <p:nvPicPr>
+          <p:cNvPr id="3" name="Picture 2">
+            <a:extLst>
+              <a:ext uri="{FF2B5EF4-FFF2-40B4-BE49-F238E27FC236}">
+                <a16:creationId xmlns:a16="http://schemas.microsoft.com/office/drawing/2014/main" id="{1A4ECDC6-F804-434F-800C-6D7A6A84F0D9}"/>
+              </a:ext>
+            </a:extLst>
+          </p:cNvPr>
+          <p:cNvPicPr>
+            <a:picLocks noChangeAspect="1"/>
+          </p:cNvPicPr>
+          <p:nvPr/>
+        </p:nvPicPr>
+        <p:blipFill>
+          <a:blip r:embed="rId3"/>
+          <a:stretch>
+            <a:fillRect/>
+          </a:stretch>
+        </p:blipFill>
+        <p:spPr>
+          <a:xfrm>
+            <a:off x="6794183" y="3558684"/>
+            <a:ext cx="4852386" cy="2621787"/>
+          </a:xfrm>
+          <a:prstGeom prst="rect">
+            <a:avLst/>
+          </a:prstGeom>
+        </p:spPr>
+      </p:pic>
+      <p:pic>
+        <p:nvPicPr>
+          <p:cNvPr id="4" name="Picture 3">
+            <a:extLst>
+              <a:ext uri="{FF2B5EF4-FFF2-40B4-BE49-F238E27FC236}">
+                <a16:creationId xmlns:a16="http://schemas.microsoft.com/office/drawing/2014/main" id="{B1BEFB8D-6F4C-4327-AC54-2440DB954D5A}"/>
+              </a:ext>
+            </a:extLst>
+          </p:cNvPr>
+          <p:cNvPicPr>
+            <a:picLocks noChangeAspect="1"/>
+          </p:cNvPicPr>
+          <p:nvPr/>
+        </p:nvPicPr>
+        <p:blipFill>
+          <a:blip r:embed="rId4"/>
+          <a:stretch>
+            <a:fillRect/>
+          </a:stretch>
+        </p:blipFill>
+        <p:spPr>
+          <a:xfrm>
+            <a:off x="7758478" y="621616"/>
+            <a:ext cx="2923795" cy="2626124"/>
+          </a:xfrm>
+          <a:prstGeom prst="rect">
+            <a:avLst/>
+          </a:prstGeom>
+        </p:spPr>
+      </p:pic>
     </p:spTree>
     <p:extLst>
       <p:ext uri="{BB962C8B-B14F-4D97-AF65-F5344CB8AC3E}">
@@ -5511,8 +6063,8 @@
         </p:nvSpPr>
         <p:spPr>
           <a:xfrm>
-            <a:off x="838200" y="365125"/>
-            <a:ext cx="6248400" cy="2012315"/>
+            <a:off x="838199" y="365125"/>
+            <a:ext cx="8921817" cy="1030538"/>
           </a:xfrm>
         </p:spPr>
         <p:txBody>
@@ -5525,323 +6077,45 @@
                   <a:srgbClr val="FF0000"/>
                 </a:solidFill>
               </a:rPr>
-              <a:t>Supervisado: Algoritmos de clasificación</a:t>
-            </a:r>
-          </a:p>
-        </p:txBody>
-      </p:sp>
-      <p:sp>
-        <p:nvSpPr>
-          <p:cNvPr id="7" name="Content Placeholder 6">
+              <a:t>No supervisado: tipos</a:t>
+            </a:r>
+          </a:p>
+        </p:txBody>
+      </p:sp>
+      <p:pic>
+        <p:nvPicPr>
+          <p:cNvPr id="8" name="Picture 7">
             <a:extLst>
               <a:ext uri="{FF2B5EF4-FFF2-40B4-BE49-F238E27FC236}">
-                <a16:creationId xmlns:a16="http://schemas.microsoft.com/office/drawing/2014/main" id="{E886D65F-45F7-42D8-BB34-6D4932E6626B}"/>
-              </a:ext>
-            </a:extLst>
-          </p:cNvPr>
-          <p:cNvSpPr>
-            <a:spLocks noGrp="1"/>
-          </p:cNvSpPr>
-          <p:nvPr>
-            <p:ph sz="half" idx="1"/>
-          </p:nvPr>
-        </p:nvSpPr>
-        <p:spPr>
-          <a:xfrm>
-            <a:off x="838200" y="2213040"/>
-            <a:ext cx="5257800" cy="3822000"/>
-          </a:xfrm>
-        </p:spPr>
-        <p:txBody>
-          <a:bodyPr>
-            <a:normAutofit/>
-          </a:bodyPr>
-          <a:lstStyle/>
-          <a:p>
-            <a:r>
-              <a:rPr lang="en-GB" sz="1800" dirty="0"/>
-              <a:t>Los </a:t>
-            </a:r>
-            <a:r>
-              <a:rPr lang="en-GB" sz="1800" dirty="0" err="1"/>
-              <a:t>algoritmos</a:t>
-            </a:r>
-            <a:r>
-              <a:rPr lang="en-GB" sz="1800" dirty="0"/>
-              <a:t> de </a:t>
-            </a:r>
-            <a:r>
-              <a:rPr lang="en-GB" sz="1800" dirty="0" err="1"/>
-              <a:t>clasificación</a:t>
-            </a:r>
-            <a:r>
-              <a:rPr lang="en-GB" sz="1800" dirty="0"/>
-              <a:t> son </a:t>
-            </a:r>
-            <a:r>
-              <a:rPr lang="en-GB" sz="1800" dirty="0" err="1"/>
-              <a:t>algoritmos</a:t>
-            </a:r>
-            <a:r>
-              <a:rPr lang="en-GB" sz="1800" dirty="0"/>
-              <a:t> de </a:t>
-            </a:r>
-            <a:r>
-              <a:rPr lang="en-GB" sz="1800" dirty="0" err="1"/>
-              <a:t>aprendizaje</a:t>
-            </a:r>
-            <a:r>
-              <a:rPr lang="en-GB" sz="1800" dirty="0"/>
-              <a:t> </a:t>
-            </a:r>
-            <a:r>
-              <a:rPr lang="en-GB" sz="1800" dirty="0" err="1"/>
-              <a:t>supervisado</a:t>
-            </a:r>
-            <a:r>
-              <a:rPr lang="en-GB" sz="1800" dirty="0"/>
-              <a:t> </a:t>
-            </a:r>
-            <a:r>
-              <a:rPr lang="en-GB" sz="1800" dirty="0" err="1"/>
-              <a:t>cuyo</a:t>
-            </a:r>
-            <a:r>
-              <a:rPr lang="en-GB" sz="1800" dirty="0"/>
-              <a:t> </a:t>
-            </a:r>
-            <a:r>
-              <a:rPr lang="en-GB" sz="1800" dirty="0" err="1"/>
-              <a:t>objetivo</a:t>
-            </a:r>
-            <a:r>
-              <a:rPr lang="en-GB" sz="1800" dirty="0"/>
-              <a:t> es </a:t>
-            </a:r>
-            <a:r>
-              <a:rPr lang="en-GB" sz="1800" dirty="0" err="1"/>
-              <a:t>predecir</a:t>
-            </a:r>
-            <a:r>
-              <a:rPr lang="en-GB" sz="1800" dirty="0"/>
-              <a:t> </a:t>
-            </a:r>
-            <a:r>
-              <a:rPr lang="en-GB" sz="1800" dirty="0" err="1"/>
-              <a:t>etiquetas</a:t>
-            </a:r>
-            <a:r>
-              <a:rPr lang="en-GB" sz="1800" dirty="0"/>
-              <a:t> de </a:t>
-            </a:r>
-            <a:r>
-              <a:rPr lang="en-GB" sz="1800" dirty="0" err="1"/>
-              <a:t>clase</a:t>
-            </a:r>
-            <a:r>
-              <a:rPr lang="en-GB" sz="1800" dirty="0"/>
-              <a:t> </a:t>
-            </a:r>
-            <a:r>
-              <a:rPr lang="en-GB" sz="1800" dirty="0" err="1"/>
-              <a:t>categóricas</a:t>
-            </a:r>
-            <a:r>
-              <a:rPr lang="en-GB" sz="1800" dirty="0"/>
-              <a:t> para </a:t>
-            </a:r>
-            <a:r>
-              <a:rPr lang="en-GB" sz="1800" dirty="0" err="1"/>
-              <a:t>nuevas</a:t>
-            </a:r>
-            <a:r>
-              <a:rPr lang="en-GB" sz="1800" dirty="0"/>
-              <a:t> </a:t>
-            </a:r>
-            <a:r>
-              <a:rPr lang="en-GB" sz="1800" dirty="0" err="1"/>
-              <a:t>instancias</a:t>
-            </a:r>
-            <a:r>
-              <a:rPr lang="en-GB" sz="1800" dirty="0"/>
-              <a:t>.</a:t>
-            </a:r>
-          </a:p>
-          <a:p>
-            <a:endParaRPr lang="en-GB" sz="1800" dirty="0"/>
-          </a:p>
-          <a:p>
-            <a:r>
-              <a:rPr lang="en-US" sz="1800" dirty="0"/>
-              <a:t>Dos </a:t>
-            </a:r>
-            <a:r>
-              <a:rPr lang="en-US" sz="1800" dirty="0" err="1"/>
-              <a:t>tipos</a:t>
-            </a:r>
-            <a:r>
-              <a:rPr lang="en-US" sz="1800" dirty="0"/>
-              <a:t> </a:t>
-            </a:r>
-            <a:r>
-              <a:rPr lang="en-US" sz="1800" dirty="0" err="1"/>
-              <a:t>principales</a:t>
-            </a:r>
-            <a:r>
-              <a:rPr lang="en-US" sz="1800" dirty="0"/>
-              <a:t>: </a:t>
-            </a:r>
-          </a:p>
-          <a:p>
-            <a:pPr lvl="1"/>
-            <a:r>
-              <a:rPr lang="en-US" sz="1600" i="1" dirty="0" err="1"/>
-              <a:t>Clasificación</a:t>
-            </a:r>
-            <a:r>
-              <a:rPr lang="en-US" sz="1600" i="1" dirty="0"/>
-              <a:t> </a:t>
-            </a:r>
-            <a:r>
-              <a:rPr lang="en-US" sz="1600" i="1" dirty="0" err="1"/>
-              <a:t>binaria</a:t>
-            </a:r>
-            <a:r>
-              <a:rPr lang="en-US" sz="1600" dirty="0"/>
-              <a:t>: solo hay dos </a:t>
-            </a:r>
-            <a:r>
-              <a:rPr lang="en-US" sz="1600" dirty="0" err="1"/>
-              <a:t>clases</a:t>
-            </a:r>
-            <a:r>
-              <a:rPr lang="en-US" sz="1600" dirty="0"/>
-              <a:t> </a:t>
-            </a:r>
-            <a:r>
-              <a:rPr lang="en-US" sz="1600" dirty="0" err="1"/>
-              <a:t>posibles</a:t>
-            </a:r>
-            <a:r>
-              <a:rPr lang="en-US" sz="1600" dirty="0"/>
-              <a:t>. Ejemplo: </a:t>
-            </a:r>
-            <a:r>
-              <a:rPr lang="en-US" sz="1600" dirty="0" err="1"/>
-              <a:t>correo</a:t>
-            </a:r>
-            <a:r>
-              <a:rPr lang="en-US" sz="1600" dirty="0"/>
-              <a:t> spam o no spam (0 o 1)</a:t>
-            </a:r>
-          </a:p>
-          <a:p>
-            <a:pPr lvl="1"/>
-            <a:r>
-              <a:rPr lang="en-US" sz="1600" i="1" dirty="0" err="1"/>
-              <a:t>Clasificación</a:t>
-            </a:r>
-            <a:r>
-              <a:rPr lang="en-US" sz="1600" i="1" dirty="0"/>
-              <a:t> multi-</a:t>
-            </a:r>
-            <a:r>
-              <a:rPr lang="en-US" sz="1600" i="1" dirty="0" err="1"/>
-              <a:t>clase</a:t>
-            </a:r>
-            <a:r>
-              <a:rPr lang="en-US" sz="1600" dirty="0"/>
-              <a:t>: </a:t>
-            </a:r>
-            <a:r>
-              <a:rPr lang="en-US" sz="1600" dirty="0" err="1"/>
-              <a:t>más</a:t>
-            </a:r>
-            <a:r>
-              <a:rPr lang="en-US" sz="1600" dirty="0"/>
-              <a:t> de dos </a:t>
-            </a:r>
-            <a:r>
-              <a:rPr lang="en-US" sz="1600" dirty="0" err="1"/>
-              <a:t>clases</a:t>
-            </a:r>
-            <a:r>
-              <a:rPr lang="en-US" sz="1600" dirty="0"/>
-              <a:t>. Ejemplo: </a:t>
-            </a:r>
-            <a:r>
-              <a:rPr lang="en-US" sz="1600" dirty="0" err="1"/>
-              <a:t>identificación</a:t>
-            </a:r>
-            <a:r>
-              <a:rPr lang="en-US" sz="1600" dirty="0"/>
-              <a:t> de </a:t>
-            </a:r>
-            <a:r>
-              <a:rPr lang="en-US" sz="1600" dirty="0" err="1"/>
-              <a:t>dígitos</a:t>
-            </a:r>
-            <a:r>
-              <a:rPr lang="en-US" sz="1600" dirty="0"/>
-              <a:t> (0 a 9)</a:t>
-            </a:r>
-          </a:p>
-          <a:p>
-            <a:endParaRPr lang="es-ES" dirty="0"/>
-          </a:p>
-        </p:txBody>
-      </p:sp>
-      <p:pic>
-        <p:nvPicPr>
-          <p:cNvPr id="1026" name="Picture 2" descr="Image for post">
-            <a:extLst>
-              <a:ext uri="{FF2B5EF4-FFF2-40B4-BE49-F238E27FC236}">
-                <a16:creationId xmlns:a16="http://schemas.microsoft.com/office/drawing/2014/main" id="{E20A52AE-907F-4F55-8F6C-A5B1CE5D44DC}"/>
+                <a16:creationId xmlns:a16="http://schemas.microsoft.com/office/drawing/2014/main" id="{DE82BB9A-61AB-443E-990F-B0EAC22125D7}"/>
               </a:ext>
             </a:extLst>
           </p:cNvPr>
           <p:cNvPicPr>
-            <a:picLocks noChangeAspect="1" noChangeArrowheads="1"/>
+            <a:picLocks noChangeAspect="1"/>
           </p:cNvPicPr>
           <p:nvPr/>
         </p:nvPicPr>
         <p:blipFill>
-          <a:blip r:embed="rId3">
-            <a:extLst>
-              <a:ext uri="{28A0092B-C50C-407E-A947-70E740481C1C}">
-                <a14:useLocalDpi xmlns:a14="http://schemas.microsoft.com/office/drawing/2010/main" val="0"/>
-              </a:ext>
-            </a:extLst>
-          </a:blip>
-          <a:srcRect/>
+          <a:blip r:embed="rId3"/>
           <a:stretch>
             <a:fillRect/>
           </a:stretch>
         </p:blipFill>
-        <p:spPr bwMode="auto">
+        <p:spPr>
           <a:xfrm>
-            <a:off x="7217996" y="1806593"/>
-            <a:ext cx="3781425" cy="3552825"/>
+            <a:off x="1108966" y="1599944"/>
+            <a:ext cx="9974067" cy="3658111"/>
           </a:xfrm>
           <a:prstGeom prst="rect">
             <a:avLst/>
           </a:prstGeom>
-          <a:noFill/>
-          <a:extLst>
-            <a:ext uri="{909E8E84-426E-40DD-AFC4-6F175D3DCCD1}">
-              <a14:hiddenFill xmlns:a14="http://schemas.microsoft.com/office/drawing/2010/main">
-                <a:solidFill>
-                  <a:srgbClr val="FFFFFF"/>
-                </a:solidFill>
-              </a14:hiddenFill>
-            </a:ext>
-          </a:extLst>
         </p:spPr>
       </p:pic>
     </p:spTree>
     <p:extLst>
       <p:ext uri="{BB962C8B-B14F-4D97-AF65-F5344CB8AC3E}">
-        <p14:creationId xmlns:p14="http://schemas.microsoft.com/office/powerpoint/2010/main" val="72731940"/>
+        <p14:creationId xmlns:p14="http://schemas.microsoft.com/office/powerpoint/2010/main" val="2772261473"/>
       </p:ext>
     </p:extLst>
   </p:cSld>
@@ -5884,41 +6158,41 @@
             <p:ph type="title"/>
           </p:nvPr>
         </p:nvSpPr>
-        <p:spPr/>
+        <p:spPr>
+          <a:xfrm>
+            <a:off x="838199" y="365125"/>
+            <a:ext cx="8921817" cy="1030538"/>
+          </a:xfrm>
+        </p:spPr>
         <p:txBody>
           <a:bodyPr/>
           <a:lstStyle/>
           <a:p>
             <a:r>
-              <a:rPr lang="en-GB" dirty="0" err="1">
+              <a:rPr lang="es-ES" dirty="0" err="1">
                 <a:solidFill>
                   <a:srgbClr val="FF0000"/>
                 </a:solidFill>
               </a:rPr>
-              <a:t>Modelo</a:t>
-            </a:r>
-            <a:r>
-              <a:rPr lang="en-GB" dirty="0">
+              <a:t>Clustering</a:t>
+            </a:r>
+            <a:r>
+              <a:rPr lang="es-ES" dirty="0">
                 <a:solidFill>
                   <a:srgbClr val="FF0000"/>
                 </a:solidFill>
               </a:rPr>
-              <a:t> de Machine Learning</a:t>
-            </a:r>
-            <a:endParaRPr lang="es-ES" dirty="0">
-              <a:solidFill>
-                <a:srgbClr val="FF0000"/>
-              </a:solidFill>
-            </a:endParaRPr>
-          </a:p>
-        </p:txBody>
-      </p:sp>
-      <p:sp>
-        <p:nvSpPr>
-          <p:cNvPr id="4" name="Content Placeholder 6">
+              <a:t>: ¿para qué?</a:t>
+            </a:r>
+          </a:p>
+        </p:txBody>
+      </p:sp>
+      <p:sp>
+        <p:nvSpPr>
+          <p:cNvPr id="7" name="Content Placeholder 6">
             <a:extLst>
               <a:ext uri="{FF2B5EF4-FFF2-40B4-BE49-F238E27FC236}">
-                <a16:creationId xmlns:a16="http://schemas.microsoft.com/office/drawing/2014/main" id="{A7054CC0-4037-4155-AF9A-15812AA22283}"/>
+                <a16:creationId xmlns:a16="http://schemas.microsoft.com/office/drawing/2014/main" id="{E886D65F-45F7-42D8-BB34-6D4932E6626B}"/>
               </a:ext>
             </a:extLst>
           </p:cNvPr>
@@ -5931,8 +6205,8 @@
         </p:nvSpPr>
         <p:spPr>
           <a:xfrm>
-            <a:off x="944078" y="2049411"/>
-            <a:ext cx="5257800" cy="4443464"/>
+            <a:off x="838200" y="1934678"/>
+            <a:ext cx="5257800" cy="3792354"/>
           </a:xfrm>
         </p:spPr>
         <p:txBody>
@@ -5942,252 +6216,401 @@
           <a:lstStyle/>
           <a:p>
             <a:r>
-              <a:rPr lang="en-US" sz="2000" dirty="0"/>
-              <a:t>Un </a:t>
-            </a:r>
-            <a:r>
-              <a:rPr lang="en-US" sz="2000" dirty="0" err="1"/>
-              <a:t>modelo</a:t>
-            </a:r>
-            <a:r>
-              <a:rPr lang="en-US" sz="2000" dirty="0"/>
-              <a:t> de ML son un conjunto de </a:t>
-            </a:r>
-            <a:r>
-              <a:rPr lang="en-US" sz="2000" dirty="0" err="1"/>
-              <a:t>parámetros</a:t>
-            </a:r>
-            <a:r>
-              <a:rPr lang="en-US" sz="2000" dirty="0"/>
-              <a:t>  y </a:t>
-            </a:r>
-            <a:r>
-              <a:rPr lang="en-US" sz="2000" dirty="0" err="1"/>
-              <a:t>operaciones</a:t>
-            </a:r>
-            <a:r>
-              <a:rPr lang="en-US" sz="2000" dirty="0"/>
-              <a:t> que </a:t>
-            </a:r>
-            <a:r>
-              <a:rPr lang="en-US" sz="2000" dirty="0" err="1"/>
-              <a:t>permiten</a:t>
-            </a:r>
-            <a:r>
-              <a:rPr lang="en-US" sz="2000" dirty="0"/>
-              <a:t> una entrada con </a:t>
-            </a:r>
-            <a:r>
-              <a:rPr lang="en-US" sz="2000" dirty="0" err="1"/>
+              <a:rPr lang="en-GB" sz="1600" dirty="0" err="1"/>
+              <a:t>Segmentación</a:t>
+            </a:r>
+            <a:r>
+              <a:rPr lang="en-GB" sz="1600" dirty="0"/>
+              <a:t> de </a:t>
+            </a:r>
+            <a:r>
+              <a:rPr lang="en-GB" sz="1600" dirty="0" err="1"/>
+              <a:t>clientes</a:t>
+            </a:r>
+            <a:r>
+              <a:rPr lang="en-GB" sz="1600" dirty="0"/>
+              <a:t>: </a:t>
+            </a:r>
+            <a:r>
+              <a:rPr lang="en-GB" sz="1600" dirty="0" err="1"/>
+              <a:t>puedes</a:t>
+            </a:r>
+            <a:r>
+              <a:rPr lang="en-GB" sz="1600" dirty="0"/>
+              <a:t> </a:t>
+            </a:r>
+            <a:r>
+              <a:rPr lang="en-GB" sz="1600" dirty="0" err="1"/>
+              <a:t>encontrar</a:t>
+            </a:r>
+            <a:r>
+              <a:rPr lang="en-GB" sz="1600" dirty="0"/>
+              <a:t> los </a:t>
+            </a:r>
+            <a:r>
+              <a:rPr lang="en-GB" sz="1600" dirty="0" err="1"/>
+              <a:t>intereses</a:t>
+            </a:r>
+            <a:r>
+              <a:rPr lang="en-GB" sz="1600" dirty="0"/>
+              <a:t> de los </a:t>
+            </a:r>
+            <a:r>
+              <a:rPr lang="en-GB" sz="1600" dirty="0" err="1"/>
+              <a:t>clientes</a:t>
+            </a:r>
+            <a:r>
+              <a:rPr lang="en-GB" sz="1600" dirty="0"/>
+              <a:t> a </a:t>
+            </a:r>
+            <a:r>
+              <a:rPr lang="en-GB" sz="1600" dirty="0" err="1"/>
+              <a:t>partir</a:t>
+            </a:r>
+            <a:r>
+              <a:rPr lang="en-GB" sz="1600" dirty="0"/>
+              <a:t> de la </a:t>
+            </a:r>
+            <a:r>
+              <a:rPr lang="en-GB" sz="1600" dirty="0" err="1"/>
+              <a:t>actividad</a:t>
+            </a:r>
+            <a:r>
+              <a:rPr lang="en-GB" sz="1600" dirty="0"/>
+              <a:t> </a:t>
+            </a:r>
+            <a:r>
+              <a:rPr lang="en-GB" sz="1600" dirty="0" err="1"/>
+              <a:t>en</a:t>
+            </a:r>
+            <a:r>
+              <a:rPr lang="en-GB" sz="1600" dirty="0"/>
+              <a:t> una </a:t>
+            </a:r>
+            <a:r>
+              <a:rPr lang="en-GB" sz="1600" dirty="0" err="1"/>
+              <a:t>página</a:t>
+            </a:r>
+            <a:r>
+              <a:rPr lang="en-GB" sz="1600" dirty="0"/>
+              <a:t> web. </a:t>
+            </a:r>
+          </a:p>
+          <a:p>
+            <a:r>
+              <a:rPr lang="en-GB" sz="1600" dirty="0"/>
+              <a:t>Para </a:t>
+            </a:r>
+            <a:r>
+              <a:rPr lang="en-GB" sz="1600" dirty="0" err="1"/>
+              <a:t>análisis</a:t>
+            </a:r>
+            <a:r>
+              <a:rPr lang="en-GB" sz="1600" dirty="0"/>
+              <a:t> de </a:t>
+            </a:r>
+            <a:r>
+              <a:rPr lang="en-GB" sz="1600" dirty="0" err="1"/>
               <a:t>datos</a:t>
             </a:r>
             <a:r>
-              <a:rPr lang="en-US" sz="2000" dirty="0"/>
-              <a:t> (input) y, a </a:t>
-            </a:r>
-            <a:r>
-              <a:rPr lang="en-US" sz="2000" dirty="0" err="1"/>
-              <a:t>partir</a:t>
-            </a:r>
-            <a:r>
-              <a:rPr lang="en-US" sz="2000" dirty="0"/>
-              <a:t> de un </a:t>
-            </a:r>
-            <a:r>
-              <a:rPr lang="en-US" sz="2000" dirty="0" err="1"/>
-              <a:t>proceso</a:t>
-            </a:r>
-            <a:r>
-              <a:rPr lang="en-US" sz="2000" dirty="0"/>
+              <a:rPr lang="en-GB" sz="1600" dirty="0"/>
+              <a:t>. </a:t>
+            </a:r>
+          </a:p>
+          <a:p>
+            <a:r>
+              <a:rPr lang="en-GB" sz="1600" dirty="0"/>
+              <a:t>Para </a:t>
+            </a:r>
+            <a:r>
+              <a:rPr lang="en-GB" sz="1600" dirty="0" err="1"/>
+              <a:t>reducción</a:t>
+            </a:r>
+            <a:r>
+              <a:rPr lang="en-GB" sz="1600" dirty="0"/>
+              <a:t> de </a:t>
+            </a:r>
+            <a:r>
+              <a:rPr lang="en-GB" sz="1600" dirty="0" err="1"/>
+              <a:t>dimensionalidad</a:t>
+            </a:r>
+            <a:r>
+              <a:rPr lang="en-GB" sz="1600" dirty="0"/>
+              <a:t>: </a:t>
+            </a:r>
+            <a:r>
+              <a:rPr lang="en-GB" sz="1600" dirty="0" err="1"/>
+              <a:t>realiza</a:t>
+            </a:r>
+            <a:r>
+              <a:rPr lang="en-GB" sz="1600" dirty="0"/>
+              <a:t>, por </a:t>
+            </a:r>
+            <a:r>
+              <a:rPr lang="en-GB" sz="1600" dirty="0" err="1"/>
+              <a:t>ejemplo</a:t>
+            </a:r>
+            <a:r>
+              <a:rPr lang="en-GB" sz="1600" dirty="0"/>
+              <a:t>, una </a:t>
+            </a:r>
+            <a:r>
+              <a:rPr lang="en-GB" sz="1600" dirty="0" err="1"/>
+              <a:t>proyección</a:t>
+            </a:r>
+            <a:r>
+              <a:rPr lang="en-GB" sz="1600" dirty="0"/>
               <a:t> </a:t>
             </a:r>
             <a:r>
-              <a:rPr lang="en-US" sz="2000" dirty="0" err="1"/>
-              <a:t>específico</a:t>
-            </a:r>
-            <a:r>
-              <a:rPr lang="en-US" sz="2000" dirty="0"/>
-              <a:t>, </a:t>
-            </a:r>
-            <a:r>
-              <a:rPr lang="en-US" sz="2000" dirty="0" err="1"/>
-              <a:t>obtiene</a:t>
-            </a:r>
-            <a:r>
-              <a:rPr lang="en-US" sz="2000" dirty="0"/>
-              <a:t> una </a:t>
-            </a:r>
-            <a:r>
-              <a:rPr lang="en-US" sz="2000" dirty="0" err="1"/>
-              <a:t>salida</a:t>
-            </a:r>
-            <a:r>
-              <a:rPr lang="en-US" sz="2000" dirty="0"/>
+              <a:rPr lang="en-GB" sz="1600" dirty="0" err="1"/>
+              <a:t>diferente</a:t>
+            </a:r>
+            <a:r>
+              <a:rPr lang="en-GB" sz="1600" dirty="0"/>
+              <a:t> </a:t>
+            </a:r>
+            <a:r>
+              <a:rPr lang="en-GB" sz="1600" dirty="0" err="1"/>
+              <a:t>sobre</a:t>
+            </a:r>
+            <a:r>
+              <a:rPr lang="en-GB" sz="1600" dirty="0"/>
+              <a:t> </a:t>
+            </a:r>
+            <a:r>
+              <a:rPr lang="en-GB" sz="1600" dirty="0" err="1"/>
+              <a:t>cada</a:t>
+            </a:r>
+            <a:r>
+              <a:rPr lang="en-GB" sz="1600" dirty="0"/>
+              <a:t> </a:t>
+            </a:r>
+            <a:r>
+              <a:rPr lang="en-GB" sz="1600" dirty="0" err="1"/>
+              <a:t>grupo</a:t>
+            </a:r>
+            <a:r>
+              <a:rPr lang="en-GB" sz="1600" dirty="0"/>
+              <a:t> para </a:t>
+            </a:r>
+            <a:r>
+              <a:rPr lang="en-GB" sz="1600" dirty="0" err="1"/>
+              <a:t>mantener</a:t>
+            </a:r>
+            <a:r>
+              <a:rPr lang="en-GB" sz="1600" dirty="0"/>
+              <a:t> la </a:t>
+            </a:r>
+            <a:r>
+              <a:rPr lang="en-GB" sz="1600" dirty="0" err="1"/>
+              <a:t>máxima</a:t>
+            </a:r>
+            <a:r>
+              <a:rPr lang="en-GB" sz="1600" dirty="0"/>
+              <a:t> </a:t>
+            </a:r>
+            <a:r>
+              <a:rPr lang="en-GB" sz="1600" dirty="0" err="1"/>
+              <a:t>varianza</a:t>
+            </a:r>
+            <a:r>
+              <a:rPr lang="en-GB" sz="1600" dirty="0"/>
+              <a:t> explicative por </a:t>
+            </a:r>
+            <a:r>
+              <a:rPr lang="en-GB" sz="1600" dirty="0" err="1"/>
+              <a:t>grupo</a:t>
+            </a:r>
+            <a:r>
+              <a:rPr lang="en-GB" sz="1600" dirty="0"/>
               <a:t>.</a:t>
             </a:r>
           </a:p>
           <a:p>
-            <a:endParaRPr lang="en-US" sz="2000" dirty="0"/>
-          </a:p>
-          <a:p>
-            <a:r>
-              <a:rPr lang="en-US" sz="2000" dirty="0"/>
-              <a:t>La </a:t>
-            </a:r>
-            <a:r>
-              <a:rPr lang="en-US" sz="2000" dirty="0" err="1"/>
-              <a:t>salida</a:t>
-            </a:r>
-            <a:r>
-              <a:rPr lang="en-US" sz="2000" dirty="0"/>
+            <a:r>
+              <a:rPr lang="en-GB" sz="1600" dirty="0" err="1"/>
+              <a:t>Detección</a:t>
+            </a:r>
+            <a:r>
+              <a:rPr lang="en-GB" sz="1600" dirty="0"/>
+              <a:t> de </a:t>
+            </a:r>
+            <a:r>
+              <a:rPr lang="en-GB" sz="1600" dirty="0" err="1"/>
+              <a:t>anomalías</a:t>
+            </a:r>
+            <a:r>
+              <a:rPr lang="en-GB" sz="1600" dirty="0"/>
+              <a:t>.</a:t>
+            </a:r>
+          </a:p>
+          <a:p>
+            <a:r>
+              <a:rPr lang="en-GB" sz="1600" dirty="0"/>
+              <a:t>Para </a:t>
+            </a:r>
+            <a:r>
+              <a:rPr lang="en-GB" sz="1600" dirty="0" err="1"/>
+              <a:t>aprendizaje</a:t>
+            </a:r>
+            <a:r>
+              <a:rPr lang="en-GB" sz="1600" dirty="0"/>
               <a:t> </a:t>
             </a:r>
             <a:r>
-              <a:rPr lang="en-US" sz="2000" dirty="0" err="1"/>
-              <a:t>normalmente</a:t>
-            </a:r>
-            <a:r>
-              <a:rPr lang="en-US" sz="2000" dirty="0"/>
-              <a:t> son uno o </a:t>
-            </a:r>
-            <a:r>
-              <a:rPr lang="en-US" sz="2000" dirty="0" err="1"/>
-              <a:t>más</a:t>
-            </a:r>
-            <a:r>
-              <a:rPr lang="en-US" sz="2000" dirty="0"/>
-              <a:t> </a:t>
-            </a:r>
-            <a:r>
-              <a:rPr lang="en-US" sz="2000" dirty="0" err="1"/>
-              <a:t>números</a:t>
-            </a:r>
-            <a:r>
-              <a:rPr lang="en-US" sz="2000" dirty="0"/>
-              <a:t> que </a:t>
-            </a:r>
-            <a:r>
-              <a:rPr lang="en-US" sz="2000" dirty="0" err="1"/>
-              <a:t>representan</a:t>
-            </a:r>
-            <a:r>
-              <a:rPr lang="en-US" sz="2000" dirty="0"/>
-              <a:t> algo </a:t>
-            </a:r>
-            <a:r>
-              <a:rPr lang="en-US" sz="2000" dirty="0" err="1"/>
-              <a:t>específico</a:t>
-            </a:r>
-            <a:r>
-              <a:rPr lang="en-US" sz="2000" dirty="0"/>
-              <a:t> para el </a:t>
-            </a:r>
-            <a:r>
-              <a:rPr lang="en-US" sz="2000" dirty="0" err="1"/>
-              <a:t>usuario</a:t>
-            </a:r>
-            <a:r>
-              <a:rPr lang="en-US" sz="2000" dirty="0"/>
+              <a:rPr lang="en-GB" sz="1600" dirty="0" err="1"/>
+              <a:t>supervisado</a:t>
+            </a:r>
+            <a:r>
+              <a:rPr lang="en-GB" sz="1600" dirty="0"/>
               <a:t>. </a:t>
             </a:r>
           </a:p>
           <a:p>
-            <a:endParaRPr lang="en-US" sz="2000" dirty="0"/>
-          </a:p>
-          <a:p>
-            <a:r>
-              <a:rPr lang="en-US" sz="2000" dirty="0"/>
-              <a:t>Se le concede el </a:t>
-            </a:r>
-            <a:r>
-              <a:rPr lang="en-US" sz="2000" dirty="0" err="1"/>
-              <a:t>nombre</a:t>
-            </a:r>
-            <a:r>
-              <a:rPr lang="en-US" sz="2000" dirty="0"/>
-              <a:t> de “</a:t>
-            </a:r>
-            <a:r>
-              <a:rPr lang="en-US" sz="2000" dirty="0" err="1"/>
-              <a:t>caja</a:t>
-            </a:r>
-            <a:r>
-              <a:rPr lang="en-US" sz="2000" dirty="0"/>
-              <a:t> </a:t>
-            </a:r>
-            <a:r>
-              <a:rPr lang="en-US" sz="2000" dirty="0" err="1"/>
-              <a:t>negra</a:t>
-            </a:r>
-            <a:r>
-              <a:rPr lang="en-US" sz="2000" dirty="0"/>
-              <a:t>” </a:t>
-            </a:r>
-            <a:r>
-              <a:rPr lang="en-US" sz="2000" dirty="0" err="1"/>
-              <a:t>habitualmente</a:t>
-            </a:r>
-            <a:r>
-              <a:rPr lang="en-US" sz="2000" dirty="0"/>
+            <a:r>
+              <a:rPr lang="en-GB" sz="1600" dirty="0"/>
+              <a:t>Para </a:t>
+            </a:r>
+            <a:r>
+              <a:rPr lang="en-GB" sz="1600" dirty="0" err="1"/>
+              <a:t>herramientas</a:t>
+            </a:r>
+            <a:r>
+              <a:rPr lang="en-GB" sz="1600" dirty="0"/>
+              <a:t> de </a:t>
+            </a:r>
+            <a:r>
+              <a:rPr lang="en-GB" sz="1600" dirty="0" err="1"/>
+              <a:t>búsqueda</a:t>
+            </a:r>
+            <a:r>
+              <a:rPr lang="en-GB" sz="1600" dirty="0"/>
+              <a:t> (por </a:t>
+            </a:r>
+            <a:r>
+              <a:rPr lang="en-GB" sz="1600" dirty="0" err="1"/>
+              <a:t>grupos</a:t>
+            </a:r>
+            <a:r>
+              <a:rPr lang="en-GB" sz="1600" dirty="0"/>
+              <a:t>).</a:t>
+            </a:r>
+          </a:p>
+          <a:p>
+            <a:r>
+              <a:rPr lang="en-GB" sz="1600" dirty="0"/>
+              <a:t>Para </a:t>
+            </a:r>
+            <a:r>
+              <a:rPr lang="en-GB" sz="1600" dirty="0" err="1"/>
+              <a:t>segmentar</a:t>
+            </a:r>
+            <a:r>
+              <a:rPr lang="en-GB" sz="1600" dirty="0"/>
+              <a:t> una imagen. Por </a:t>
+            </a:r>
+            <a:r>
+              <a:rPr lang="en-GB" sz="1600" dirty="0" err="1"/>
+              <a:t>ejemplo</a:t>
+            </a:r>
+            <a:r>
+              <a:rPr lang="en-GB" sz="1600" dirty="0"/>
+              <a:t>, por </a:t>
+            </a:r>
+            <a:r>
+              <a:rPr lang="en-GB" sz="1600" dirty="0" err="1"/>
+              <a:t>escala</a:t>
+            </a:r>
+            <a:r>
+              <a:rPr lang="en-GB" sz="1600" dirty="0"/>
+              <a:t> de </a:t>
+            </a:r>
+            <a:r>
+              <a:rPr lang="en-GB" sz="1600" dirty="0" err="1"/>
+              <a:t>colores</a:t>
+            </a:r>
+            <a:r>
+              <a:rPr lang="en-GB" sz="1600" dirty="0"/>
               <a:t>.</a:t>
             </a:r>
           </a:p>
           <a:p>
+            <a:endParaRPr lang="en-GB" sz="1800" dirty="0"/>
+          </a:p>
+          <a:p>
+            <a:pPr marL="0" indent="0">
+              <a:buNone/>
+            </a:pPr>
             <a:endParaRPr lang="es-ES" dirty="0"/>
           </a:p>
         </p:txBody>
       </p:sp>
       <p:pic>
         <p:nvPicPr>
-          <p:cNvPr id="1028" name="Picture 4" descr="Show Me The Black Box. How human can tap onto the machine… | by Satsawat  Natakarnkitkul | Towards AI — Multidisciplinary Science Journal | Medium">
+          <p:cNvPr id="4" name="Picture 3">
             <a:extLst>
               <a:ext uri="{FF2B5EF4-FFF2-40B4-BE49-F238E27FC236}">
-                <a16:creationId xmlns:a16="http://schemas.microsoft.com/office/drawing/2014/main" id="{6582013C-FB05-4715-8851-9BEEFD008E50}"/>
+                <a16:creationId xmlns:a16="http://schemas.microsoft.com/office/drawing/2014/main" id="{B1BEFB8D-6F4C-4327-AC54-2440DB954D5A}"/>
               </a:ext>
             </a:extLst>
           </p:cNvPr>
           <p:cNvPicPr>
-            <a:picLocks noChangeAspect="1" noChangeArrowheads="1"/>
+            <a:picLocks noChangeAspect="1"/>
           </p:cNvPicPr>
           <p:nvPr/>
         </p:nvPicPr>
         <p:blipFill>
-          <a:blip r:embed="rId3">
-            <a:extLst>
-              <a:ext uri="{28A0092B-C50C-407E-A947-70E740481C1C}">
-                <a14:useLocalDpi xmlns:a14="http://schemas.microsoft.com/office/drawing/2010/main" val="0"/>
-              </a:ext>
-            </a:extLst>
-          </a:blip>
-          <a:srcRect/>
+          <a:blip r:embed="rId3"/>
           <a:stretch>
             <a:fillRect/>
           </a:stretch>
         </p:blipFill>
-        <p:spPr bwMode="auto">
+        <p:spPr>
           <a:xfrm>
-            <a:off x="6295570" y="2554576"/>
-            <a:ext cx="5494798" cy="2258056"/>
+            <a:off x="7990428" y="3830855"/>
+            <a:ext cx="2923795" cy="2626124"/>
           </a:xfrm>
           <a:prstGeom prst="rect">
             <a:avLst/>
           </a:prstGeom>
-          <a:noFill/>
-          <a:extLst>
-            <a:ext uri="{909E8E84-426E-40DD-AFC4-6F175D3DCCD1}">
-              <a14:hiddenFill xmlns:a14="http://schemas.microsoft.com/office/drawing/2010/main">
-                <a:solidFill>
-                  <a:srgbClr val="FFFFFF"/>
-                </a:solidFill>
-              </a14:hiddenFill>
-            </a:ext>
-          </a:extLst>
+        </p:spPr>
+      </p:pic>
+      <p:pic>
+        <p:nvPicPr>
+          <p:cNvPr id="5" name="Picture 4">
+            <a:extLst>
+              <a:ext uri="{FF2B5EF4-FFF2-40B4-BE49-F238E27FC236}">
+                <a16:creationId xmlns:a16="http://schemas.microsoft.com/office/drawing/2014/main" id="{96F62A32-E92B-4322-B7F4-E31B023A8A01}"/>
+              </a:ext>
+            </a:extLst>
+          </p:cNvPr>
+          <p:cNvPicPr>
+            <a:picLocks noChangeAspect="1"/>
+          </p:cNvPicPr>
+          <p:nvPr/>
+        </p:nvPicPr>
+        <p:blipFill>
+          <a:blip r:embed="rId4"/>
+          <a:stretch>
+            <a:fillRect/>
+          </a:stretch>
+        </p:blipFill>
+        <p:spPr>
+          <a:xfrm>
+            <a:off x="7275412" y="672425"/>
+            <a:ext cx="3909143" cy="2898616"/>
+          </a:xfrm>
+          <a:prstGeom prst="rect">
+            <a:avLst/>
+          </a:prstGeom>
         </p:spPr>
       </p:pic>
     </p:spTree>
     <p:extLst>
       <p:ext uri="{BB962C8B-B14F-4D97-AF65-F5344CB8AC3E}">
-        <p14:creationId xmlns:p14="http://schemas.microsoft.com/office/powerpoint/2010/main" val="3800440414"/>
+        <p14:creationId xmlns:p14="http://schemas.microsoft.com/office/powerpoint/2010/main" val="3953830588"/>
       </p:ext>
     </p:extLst>
   </p:cSld>
@@ -6232,8 +6655,8 @@
         </p:nvSpPr>
         <p:spPr>
           <a:xfrm>
-            <a:off x="838200" y="365125"/>
-            <a:ext cx="6035040" cy="1311275"/>
+            <a:off x="838199" y="365125"/>
+            <a:ext cx="8921817" cy="1030538"/>
           </a:xfrm>
         </p:spPr>
         <p:txBody>
@@ -6241,27 +6664,425 @@
           <a:lstStyle/>
           <a:p>
             <a:r>
-              <a:rPr lang="en-GB" dirty="0">
+              <a:rPr lang="es-ES" dirty="0" err="1">
                 <a:solidFill>
                   <a:srgbClr val="FF0000"/>
                 </a:solidFill>
               </a:rPr>
-              <a:t>Regresión lineal: Regresión</a:t>
-            </a:r>
-            <a:endParaRPr lang="es-ES" dirty="0">
-              <a:solidFill>
-                <a:srgbClr val="FF0000"/>
-              </a:solidFill>
-            </a:endParaRPr>
+              <a:t>Clustering</a:t>
+            </a:r>
+            <a:r>
+              <a:rPr lang="es-ES" dirty="0">
+                <a:solidFill>
+                  <a:srgbClr val="FF0000"/>
+                </a:solidFill>
+              </a:rPr>
+              <a:t>: ¿para qué?</a:t>
+            </a:r>
+          </a:p>
+        </p:txBody>
+      </p:sp>
+      <p:sp>
+        <p:nvSpPr>
+          <p:cNvPr id="7" name="Content Placeholder 6">
+            <a:extLst>
+              <a:ext uri="{FF2B5EF4-FFF2-40B4-BE49-F238E27FC236}">
+                <a16:creationId xmlns:a16="http://schemas.microsoft.com/office/drawing/2014/main" id="{E886D65F-45F7-42D8-BB34-6D4932E6626B}"/>
+              </a:ext>
+            </a:extLst>
+          </p:cNvPr>
+          <p:cNvSpPr>
+            <a:spLocks noGrp="1"/>
+          </p:cNvSpPr>
+          <p:nvPr>
+            <p:ph sz="half" idx="1"/>
+          </p:nvPr>
+        </p:nvSpPr>
+        <p:spPr>
+          <a:xfrm>
+            <a:off x="838199" y="1799924"/>
+            <a:ext cx="5257800" cy="3696101"/>
+          </a:xfrm>
+        </p:spPr>
+        <p:txBody>
+          <a:bodyPr>
+            <a:normAutofit/>
+          </a:bodyPr>
+          <a:lstStyle/>
+          <a:p>
+            <a:pPr>
+              <a:spcBef>
+                <a:spcPts val="1200"/>
+              </a:spcBef>
+            </a:pPr>
+            <a:r>
+              <a:rPr lang="en-GB" sz="1600" dirty="0" err="1"/>
+              <a:t>Segmentación</a:t>
+            </a:r>
+            <a:r>
+              <a:rPr lang="en-GB" sz="1600" dirty="0"/>
+              <a:t> de </a:t>
+            </a:r>
+            <a:r>
+              <a:rPr lang="en-GB" sz="1600" dirty="0" err="1"/>
+              <a:t>clientes</a:t>
+            </a:r>
+            <a:r>
+              <a:rPr lang="en-GB" sz="1600" dirty="0"/>
+              <a:t>: </a:t>
+            </a:r>
+            <a:r>
+              <a:rPr lang="en-GB" sz="1600" dirty="0" err="1"/>
+              <a:t>puedes</a:t>
+            </a:r>
+            <a:r>
+              <a:rPr lang="en-GB" sz="1600" dirty="0"/>
+              <a:t> </a:t>
+            </a:r>
+            <a:r>
+              <a:rPr lang="en-GB" sz="1600" dirty="0" err="1"/>
+              <a:t>encontrar</a:t>
+            </a:r>
+            <a:r>
+              <a:rPr lang="en-GB" sz="1600" dirty="0"/>
+              <a:t> los </a:t>
+            </a:r>
+            <a:r>
+              <a:rPr lang="en-GB" sz="1600" dirty="0" err="1"/>
+              <a:t>intereses</a:t>
+            </a:r>
+            <a:r>
+              <a:rPr lang="en-GB" sz="1600" dirty="0"/>
+              <a:t> de los </a:t>
+            </a:r>
+            <a:r>
+              <a:rPr lang="en-GB" sz="1600" dirty="0" err="1"/>
+              <a:t>clientes</a:t>
+            </a:r>
+            <a:r>
+              <a:rPr lang="en-GB" sz="1600" dirty="0"/>
+              <a:t> a </a:t>
+            </a:r>
+            <a:r>
+              <a:rPr lang="en-GB" sz="1600" dirty="0" err="1"/>
+              <a:t>partir</a:t>
+            </a:r>
+            <a:r>
+              <a:rPr lang="en-GB" sz="1600" dirty="0"/>
+              <a:t> de la </a:t>
+            </a:r>
+            <a:r>
+              <a:rPr lang="en-GB" sz="1600" dirty="0" err="1"/>
+              <a:t>actividad</a:t>
+            </a:r>
+            <a:r>
+              <a:rPr lang="en-GB" sz="1600" dirty="0"/>
+              <a:t> </a:t>
+            </a:r>
+            <a:r>
+              <a:rPr lang="en-GB" sz="1600" dirty="0" err="1"/>
+              <a:t>en</a:t>
+            </a:r>
+            <a:r>
+              <a:rPr lang="en-GB" sz="1600" dirty="0"/>
+              <a:t> una </a:t>
+            </a:r>
+            <a:r>
+              <a:rPr lang="en-GB" sz="1600" dirty="0" err="1"/>
+              <a:t>página</a:t>
+            </a:r>
+            <a:r>
+              <a:rPr lang="en-GB" sz="1600" dirty="0"/>
+              <a:t> web. </a:t>
+            </a:r>
+          </a:p>
+          <a:p>
+            <a:pPr>
+              <a:spcBef>
+                <a:spcPts val="1200"/>
+              </a:spcBef>
+            </a:pPr>
+            <a:r>
+              <a:rPr lang="en-GB" sz="1600" dirty="0"/>
+              <a:t>Para </a:t>
+            </a:r>
+            <a:r>
+              <a:rPr lang="en-GB" sz="1600" dirty="0" err="1"/>
+              <a:t>análisis</a:t>
+            </a:r>
+            <a:r>
+              <a:rPr lang="en-GB" sz="1600" dirty="0"/>
+              <a:t> de </a:t>
+            </a:r>
+            <a:r>
+              <a:rPr lang="en-GB" sz="1600" dirty="0" err="1"/>
+              <a:t>datos</a:t>
+            </a:r>
+            <a:r>
+              <a:rPr lang="en-GB" sz="1600" dirty="0"/>
+              <a:t>. </a:t>
+            </a:r>
+          </a:p>
+          <a:p>
+            <a:pPr>
+              <a:spcBef>
+                <a:spcPts val="1200"/>
+              </a:spcBef>
+            </a:pPr>
+            <a:r>
+              <a:rPr lang="en-GB" sz="1600" dirty="0"/>
+              <a:t>Para </a:t>
+            </a:r>
+            <a:r>
+              <a:rPr lang="en-GB" sz="1600" dirty="0" err="1"/>
+              <a:t>reducción</a:t>
+            </a:r>
+            <a:r>
+              <a:rPr lang="en-GB" sz="1600" dirty="0"/>
+              <a:t> de </a:t>
+            </a:r>
+            <a:r>
+              <a:rPr lang="en-GB" sz="1600" dirty="0" err="1"/>
+              <a:t>dimensionalidad</a:t>
+            </a:r>
+            <a:r>
+              <a:rPr lang="en-GB" sz="1600" dirty="0"/>
+              <a:t>: </a:t>
+            </a:r>
+            <a:r>
+              <a:rPr lang="en-GB" sz="1600" dirty="0" err="1"/>
+              <a:t>realiza</a:t>
+            </a:r>
+            <a:r>
+              <a:rPr lang="en-GB" sz="1600" dirty="0"/>
+              <a:t>, por </a:t>
+            </a:r>
+            <a:r>
+              <a:rPr lang="en-GB" sz="1600" dirty="0" err="1"/>
+              <a:t>ejemplo</a:t>
+            </a:r>
+            <a:r>
+              <a:rPr lang="en-GB" sz="1600" dirty="0"/>
+              <a:t>, una </a:t>
+            </a:r>
+            <a:r>
+              <a:rPr lang="en-GB" sz="1600" dirty="0" err="1"/>
+              <a:t>proyección</a:t>
+            </a:r>
+            <a:r>
+              <a:rPr lang="en-GB" sz="1600" dirty="0"/>
+              <a:t> </a:t>
+            </a:r>
+            <a:r>
+              <a:rPr lang="en-GB" sz="1600" dirty="0" err="1"/>
+              <a:t>diferente</a:t>
+            </a:r>
+            <a:r>
+              <a:rPr lang="en-GB" sz="1600" dirty="0"/>
+              <a:t> </a:t>
+            </a:r>
+            <a:r>
+              <a:rPr lang="en-GB" sz="1600" dirty="0" err="1"/>
+              <a:t>sobre</a:t>
+            </a:r>
+            <a:r>
+              <a:rPr lang="en-GB" sz="1600" dirty="0"/>
+              <a:t> </a:t>
+            </a:r>
+            <a:r>
+              <a:rPr lang="en-GB" sz="1600" dirty="0" err="1"/>
+              <a:t>cada</a:t>
+            </a:r>
+            <a:r>
+              <a:rPr lang="en-GB" sz="1600" dirty="0"/>
+              <a:t> </a:t>
+            </a:r>
+            <a:r>
+              <a:rPr lang="en-GB" sz="1600" dirty="0" err="1"/>
+              <a:t>grupo</a:t>
+            </a:r>
+            <a:r>
+              <a:rPr lang="en-GB" sz="1600" dirty="0"/>
+              <a:t> para </a:t>
+            </a:r>
+            <a:r>
+              <a:rPr lang="en-GB" sz="1600" dirty="0" err="1"/>
+              <a:t>mantener</a:t>
+            </a:r>
+            <a:r>
+              <a:rPr lang="en-GB" sz="1600" dirty="0"/>
+              <a:t> la </a:t>
+            </a:r>
+            <a:r>
+              <a:rPr lang="en-GB" sz="1600" dirty="0" err="1"/>
+              <a:t>máxima</a:t>
+            </a:r>
+            <a:r>
+              <a:rPr lang="en-GB" sz="1600" dirty="0"/>
+              <a:t> </a:t>
+            </a:r>
+            <a:r>
+              <a:rPr lang="en-GB" sz="1600" dirty="0" err="1"/>
+              <a:t>varianza</a:t>
+            </a:r>
+            <a:r>
+              <a:rPr lang="en-GB" sz="1600" dirty="0"/>
+              <a:t> explicative por </a:t>
+            </a:r>
+            <a:r>
+              <a:rPr lang="en-GB" sz="1600" dirty="0" err="1"/>
+              <a:t>grupo</a:t>
+            </a:r>
+            <a:r>
+              <a:rPr lang="en-GB" sz="1600" dirty="0"/>
+              <a:t>.</a:t>
+            </a:r>
+          </a:p>
+          <a:p>
+            <a:pPr>
+              <a:spcBef>
+                <a:spcPts val="1200"/>
+              </a:spcBef>
+            </a:pPr>
+            <a:r>
+              <a:rPr lang="en-GB" sz="1600" dirty="0" err="1"/>
+              <a:t>Detección</a:t>
+            </a:r>
+            <a:r>
+              <a:rPr lang="en-GB" sz="1600" dirty="0"/>
+              <a:t> de </a:t>
+            </a:r>
+            <a:r>
+              <a:rPr lang="en-GB" sz="1600" dirty="0" err="1"/>
+              <a:t>anomalías</a:t>
+            </a:r>
+            <a:r>
+              <a:rPr lang="en-GB" sz="1600" dirty="0"/>
+              <a:t>.</a:t>
+            </a:r>
+          </a:p>
+          <a:p>
+            <a:pPr>
+              <a:spcBef>
+                <a:spcPts val="1200"/>
+              </a:spcBef>
+            </a:pPr>
+            <a:r>
+              <a:rPr lang="en-GB" sz="1600" dirty="0"/>
+              <a:t>Para </a:t>
+            </a:r>
+            <a:r>
+              <a:rPr lang="en-GB" sz="1600" dirty="0" err="1"/>
+              <a:t>aprendizaje</a:t>
+            </a:r>
+            <a:r>
+              <a:rPr lang="en-GB" sz="1600" dirty="0"/>
+              <a:t> </a:t>
+            </a:r>
+            <a:r>
+              <a:rPr lang="en-GB" sz="1600" dirty="0" err="1"/>
+              <a:t>supervisado</a:t>
+            </a:r>
+            <a:r>
+              <a:rPr lang="en-GB" sz="1600" dirty="0"/>
+              <a:t>. </a:t>
+            </a:r>
+          </a:p>
+          <a:p>
+            <a:pPr>
+              <a:spcBef>
+                <a:spcPts val="1200"/>
+              </a:spcBef>
+            </a:pPr>
+            <a:r>
+              <a:rPr lang="en-GB" sz="1600" dirty="0"/>
+              <a:t>Para </a:t>
+            </a:r>
+            <a:r>
+              <a:rPr lang="en-GB" sz="1600" dirty="0" err="1"/>
+              <a:t>herramientas</a:t>
+            </a:r>
+            <a:r>
+              <a:rPr lang="en-GB" sz="1600" dirty="0"/>
+              <a:t> de </a:t>
+            </a:r>
+            <a:r>
+              <a:rPr lang="en-GB" sz="1600" dirty="0" err="1"/>
+              <a:t>búsqueda</a:t>
+            </a:r>
+            <a:r>
+              <a:rPr lang="en-GB" sz="1600" dirty="0"/>
+              <a:t> (por </a:t>
+            </a:r>
+            <a:r>
+              <a:rPr lang="en-GB" sz="1600" dirty="0" err="1"/>
+              <a:t>grupos</a:t>
+            </a:r>
+            <a:r>
+              <a:rPr lang="en-GB" sz="1600" dirty="0"/>
+              <a:t>).</a:t>
+            </a:r>
+          </a:p>
+          <a:p>
+            <a:pPr>
+              <a:spcBef>
+                <a:spcPts val="1200"/>
+              </a:spcBef>
+            </a:pPr>
+            <a:r>
+              <a:rPr lang="en-GB" sz="1600" dirty="0"/>
+              <a:t>Para </a:t>
+            </a:r>
+            <a:r>
+              <a:rPr lang="en-GB" sz="1600" dirty="0" err="1"/>
+              <a:t>segmentar</a:t>
+            </a:r>
+            <a:r>
+              <a:rPr lang="en-GB" sz="1600" dirty="0"/>
+              <a:t> una imagen. Por </a:t>
+            </a:r>
+            <a:r>
+              <a:rPr lang="en-GB" sz="1600" dirty="0" err="1"/>
+              <a:t>ejemplo</a:t>
+            </a:r>
+            <a:r>
+              <a:rPr lang="en-GB" sz="1600" dirty="0"/>
+              <a:t>, por </a:t>
+            </a:r>
+            <a:r>
+              <a:rPr lang="en-GB" sz="1600" dirty="0" err="1"/>
+              <a:t>escala</a:t>
+            </a:r>
+            <a:r>
+              <a:rPr lang="en-GB" sz="1600" dirty="0"/>
+              <a:t> de </a:t>
+            </a:r>
+            <a:r>
+              <a:rPr lang="en-GB" sz="1600" dirty="0" err="1"/>
+              <a:t>colores</a:t>
+            </a:r>
+            <a:r>
+              <a:rPr lang="en-GB" sz="1600" dirty="0"/>
+              <a:t>.</a:t>
+            </a:r>
+          </a:p>
+          <a:p>
+            <a:endParaRPr lang="en-GB" sz="1800" dirty="0"/>
+          </a:p>
+          <a:p>
+            <a:pPr marL="0" indent="0">
+              <a:buNone/>
+            </a:pPr>
+            <a:endParaRPr lang="es-ES" dirty="0"/>
           </a:p>
         </p:txBody>
       </p:sp>
       <p:pic>
         <p:nvPicPr>
-          <p:cNvPr id="8" name="Picture 4">
+          <p:cNvPr id="1028" name="Picture 4" descr="Facebook PointRend: Rendering Image Segmentation | Synced">
             <a:extLst>
               <a:ext uri="{FF2B5EF4-FFF2-40B4-BE49-F238E27FC236}">
-                <a16:creationId xmlns:a16="http://schemas.microsoft.com/office/drawing/2014/main" id="{7BC60EC7-931D-45AC-ACF5-DE70BF869ED6}"/>
+                <a16:creationId xmlns:a16="http://schemas.microsoft.com/office/drawing/2014/main" id="{F7591AC2-13C1-4916-AC98-DB5C2298A01B}"/>
               </a:ext>
             </a:extLst>
           </p:cNvPr>
@@ -6285,8 +7106,8 @@
         </p:blipFill>
         <p:spPr bwMode="auto">
           <a:xfrm>
-            <a:off x="7040050" y="439257"/>
-            <a:ext cx="4207871" cy="3005622"/>
+            <a:off x="6533411" y="3860060"/>
+            <a:ext cx="5430266" cy="2916254"/>
           </a:xfrm>
           <a:prstGeom prst="rect">
             <a:avLst/>
@@ -6305,68 +7126,55 @@
       </p:pic>
       <p:pic>
         <p:nvPicPr>
-          <p:cNvPr id="9" name="Picture 8">
+          <p:cNvPr id="1030" name="Picture 6" descr="Improving Collaborative Filtering with Dimensionality Reduction | by  Jackson Wu | Medium">
             <a:extLst>
               <a:ext uri="{FF2B5EF4-FFF2-40B4-BE49-F238E27FC236}">
-                <a16:creationId xmlns:a16="http://schemas.microsoft.com/office/drawing/2014/main" id="{84D11A76-F720-4868-897F-409D2BAC7050}"/>
+                <a16:creationId xmlns:a16="http://schemas.microsoft.com/office/drawing/2014/main" id="{4FAF1332-CB0F-4216-81C3-9D64C811A563}"/>
               </a:ext>
             </a:extLst>
           </p:cNvPr>
           <p:cNvPicPr>
-            <a:picLocks noChangeAspect="1"/>
+            <a:picLocks noChangeAspect="1" noChangeArrowheads="1"/>
           </p:cNvPicPr>
           <p:nvPr/>
         </p:nvPicPr>
         <p:blipFill>
-          <a:blip r:embed="rId4"/>
+          <a:blip r:embed="rId4">
+            <a:extLst>
+              <a:ext uri="{28A0092B-C50C-407E-A947-70E740481C1C}">
+                <a14:useLocalDpi xmlns:a14="http://schemas.microsoft.com/office/drawing/2010/main" val="0"/>
+              </a:ext>
+            </a:extLst>
+          </a:blip>
+          <a:srcRect/>
           <a:stretch>
             <a:fillRect/>
           </a:stretch>
         </p:blipFill>
-        <p:spPr>
+        <p:spPr bwMode="auto">
           <a:xfrm>
-            <a:off x="7040051" y="3790412"/>
-            <a:ext cx="4207871" cy="2636413"/>
+            <a:off x="7651783" y="335920"/>
+            <a:ext cx="3475021" cy="3494935"/>
           </a:xfrm>
           <a:prstGeom prst="rect">
             <a:avLst/>
           </a:prstGeom>
-        </p:spPr>
-      </p:pic>
-      <p:pic>
-        <p:nvPicPr>
-          <p:cNvPr id="10" name="Picture 9">
-            <a:extLst>
-              <a:ext uri="{FF2B5EF4-FFF2-40B4-BE49-F238E27FC236}">
-                <a16:creationId xmlns:a16="http://schemas.microsoft.com/office/drawing/2014/main" id="{79E8FA21-4250-425E-9937-EBE0C3842A78}"/>
-              </a:ext>
-            </a:extLst>
-          </p:cNvPr>
-          <p:cNvPicPr>
-            <a:picLocks noChangeAspect="1"/>
-          </p:cNvPicPr>
-          <p:nvPr/>
-        </p:nvPicPr>
-        <p:blipFill>
-          <a:blip r:embed="rId5"/>
-          <a:stretch>
-            <a:fillRect/>
-          </a:stretch>
-        </p:blipFill>
-        <p:spPr>
-          <a:xfrm>
-            <a:off x="1193438" y="2700252"/>
-            <a:ext cx="4567282" cy="2637605"/>
-          </a:xfrm>
-          <a:prstGeom prst="rect">
-            <a:avLst/>
-          </a:prstGeom>
+          <a:noFill/>
+          <a:extLst>
+            <a:ext uri="{909E8E84-426E-40DD-AFC4-6F175D3DCCD1}">
+              <a14:hiddenFill xmlns:a14="http://schemas.microsoft.com/office/drawing/2010/main">
+                <a:solidFill>
+                  <a:srgbClr val="FFFFFF"/>
+                </a:solidFill>
+              </a14:hiddenFill>
+            </a:ext>
+          </a:extLst>
         </p:spPr>
       </p:pic>
     </p:spTree>
     <p:extLst>
       <p:ext uri="{BB962C8B-B14F-4D97-AF65-F5344CB8AC3E}">
-        <p14:creationId xmlns:p14="http://schemas.microsoft.com/office/powerpoint/2010/main" val="46784844"/>
+        <p14:creationId xmlns:p14="http://schemas.microsoft.com/office/powerpoint/2010/main" val="3875773302"/>
       </p:ext>
     </p:extLst>
   </p:cSld>
@@ -6409,42 +7217,23 @@
             <p:ph type="title"/>
           </p:nvPr>
         </p:nvSpPr>
-        <p:spPr/>
+        <p:spPr>
+          <a:xfrm>
+            <a:off x="838199" y="365125"/>
+            <a:ext cx="8921817" cy="1030538"/>
+          </a:xfrm>
+        </p:spPr>
         <p:txBody>
           <a:bodyPr/>
           <a:lstStyle/>
           <a:p>
             <a:r>
-              <a:rPr lang="en-GB" dirty="0">
+              <a:rPr lang="es-ES" dirty="0" err="1">
                 <a:solidFill>
                   <a:srgbClr val="FF0000"/>
                 </a:solidFill>
               </a:rPr>
-              <a:t>Regresión </a:t>
-            </a:r>
-            <a:r>
-              <a:rPr lang="en-GB" dirty="0" err="1">
-                <a:solidFill>
-                  <a:srgbClr val="FF0000"/>
-                </a:solidFill>
-              </a:rPr>
-              <a:t>logística</a:t>
-            </a:r>
-            <a:r>
-              <a:rPr lang="en-GB" dirty="0">
-                <a:solidFill>
-                  <a:srgbClr val="FF0000"/>
-                </a:solidFill>
-              </a:rPr>
-              <a:t>: </a:t>
-            </a:r>
-            <a:r>
-              <a:rPr lang="en-GB" dirty="0" err="1">
-                <a:solidFill>
-                  <a:srgbClr val="FF0000"/>
-                </a:solidFill>
-              </a:rPr>
-              <a:t>clasificación</a:t>
+              <a:t>Kmeans</a:t>
             </a:r>
             <a:endParaRPr lang="es-ES" dirty="0">
               <a:solidFill>
@@ -6456,55 +7245,38 @@
       </p:sp>
       <p:pic>
         <p:nvPicPr>
-          <p:cNvPr id="6" name="Picture 4" descr="Introduction to Logistic Regression | by Ayush Pant | Towards Data Science">
+          <p:cNvPr id="3" name="Picture 2">
             <a:extLst>
               <a:ext uri="{FF2B5EF4-FFF2-40B4-BE49-F238E27FC236}">
-                <a16:creationId xmlns:a16="http://schemas.microsoft.com/office/drawing/2014/main" id="{5E3BB0E9-A278-4CC5-A594-72A3B5542F35}"/>
+                <a16:creationId xmlns:a16="http://schemas.microsoft.com/office/drawing/2014/main" id="{FF1ABC7B-D15A-426E-8839-10304701300B}"/>
               </a:ext>
             </a:extLst>
           </p:cNvPr>
           <p:cNvPicPr>
-            <a:picLocks noChangeAspect="1" noChangeArrowheads="1"/>
+            <a:picLocks noChangeAspect="1"/>
           </p:cNvPicPr>
           <p:nvPr/>
         </p:nvPicPr>
         <p:blipFill>
-          <a:blip r:embed="rId3">
-            <a:extLst>
-              <a:ext uri="{28A0092B-C50C-407E-A947-70E740481C1C}">
-                <a14:useLocalDpi xmlns:a14="http://schemas.microsoft.com/office/drawing/2010/main" val="0"/>
-              </a:ext>
-            </a:extLst>
-          </a:blip>
-          <a:srcRect/>
+          <a:blip r:embed="rId3"/>
           <a:stretch>
             <a:fillRect/>
           </a:stretch>
         </p:blipFill>
-        <p:spPr bwMode="auto">
+        <p:spPr>
           <a:xfrm>
-            <a:off x="1497132" y="1690688"/>
-            <a:ext cx="9759438" cy="4324397"/>
+            <a:off x="1635091" y="1641997"/>
+            <a:ext cx="8921818" cy="4194970"/>
           </a:xfrm>
           <a:prstGeom prst="rect">
             <a:avLst/>
           </a:prstGeom>
-          <a:noFill/>
-          <a:extLst>
-            <a:ext uri="{909E8E84-426E-40DD-AFC4-6F175D3DCCD1}">
-              <a14:hiddenFill xmlns:a14="http://schemas.microsoft.com/office/drawing/2010/main">
-                <a:solidFill>
-                  <a:srgbClr val="FFFFFF"/>
-                </a:solidFill>
-              </a14:hiddenFill>
-            </a:ext>
-          </a:extLst>
         </p:spPr>
       </p:pic>
     </p:spTree>
     <p:extLst>
       <p:ext uri="{BB962C8B-B14F-4D97-AF65-F5344CB8AC3E}">
-        <p14:creationId xmlns:p14="http://schemas.microsoft.com/office/powerpoint/2010/main" val="2286710712"/>
+        <p14:creationId xmlns:p14="http://schemas.microsoft.com/office/powerpoint/2010/main" val="1477812198"/>
       </p:ext>
     </p:extLst>
   </p:cSld>
@@ -6547,34 +7319,23 @@
             <p:ph type="title"/>
           </p:nvPr>
         </p:nvSpPr>
-        <p:spPr/>
+        <p:spPr>
+          <a:xfrm>
+            <a:off x="838199" y="365125"/>
+            <a:ext cx="8921817" cy="1030538"/>
+          </a:xfrm>
+        </p:spPr>
         <p:txBody>
           <a:bodyPr/>
           <a:lstStyle/>
           <a:p>
             <a:r>
-              <a:rPr lang="en-GB" dirty="0" err="1">
+              <a:rPr lang="es-ES" dirty="0" err="1">
                 <a:solidFill>
                   <a:srgbClr val="FF0000"/>
                 </a:solidFill>
               </a:rPr>
-              <a:t>Knn</a:t>
-            </a:r>
-            <a:r>
-              <a:rPr lang="en-GB" dirty="0">
-                <a:solidFill>
-                  <a:srgbClr val="FF0000"/>
-                </a:solidFill>
-              </a:rPr>
-              <a:t>: </a:t>
-            </a:r>
-            <a:r>
-              <a:rPr lang="en-GB" dirty="0" err="1">
-                <a:solidFill>
-                  <a:srgbClr val="FF0000"/>
-                </a:solidFill>
-              </a:rPr>
-              <a:t>clasificación</a:t>
+              <a:t>Kmeans</a:t>
             </a:r>
             <a:endParaRPr lang="es-ES" dirty="0">
               <a:solidFill>
@@ -6584,57 +7345,669 @@
           </a:p>
         </p:txBody>
       </p:sp>
+      <p:sp>
+        <p:nvSpPr>
+          <p:cNvPr id="4" name="Content Placeholder 6">
+            <a:extLst>
+              <a:ext uri="{FF2B5EF4-FFF2-40B4-BE49-F238E27FC236}">
+                <a16:creationId xmlns:a16="http://schemas.microsoft.com/office/drawing/2014/main" id="{F233024B-2412-46BD-AC39-6E9D0B609B60}"/>
+              </a:ext>
+            </a:extLst>
+          </p:cNvPr>
+          <p:cNvSpPr>
+            <a:spLocks noGrp="1"/>
+          </p:cNvSpPr>
+          <p:nvPr>
+            <p:ph sz="half" idx="1"/>
+          </p:nvPr>
+        </p:nvSpPr>
+        <p:spPr>
+          <a:xfrm>
+            <a:off x="838198" y="1799924"/>
+            <a:ext cx="3955183" cy="4389120"/>
+          </a:xfrm>
+        </p:spPr>
+        <p:txBody>
+          <a:bodyPr>
+            <a:normAutofit lnSpcReduction="10000"/>
+          </a:bodyPr>
+          <a:lstStyle/>
+          <a:p>
+            <a:pPr marL="0" indent="0">
+              <a:spcBef>
+                <a:spcPts val="1200"/>
+              </a:spcBef>
+              <a:buNone/>
+            </a:pPr>
+            <a:r>
+              <a:rPr lang="en-GB" sz="1600" dirty="0" err="1">
+                <a:latin typeface="Consolas" panose="020B0609020204030204" pitchFamily="49" charset="0"/>
+              </a:rPr>
+              <a:t>kmeans</a:t>
+            </a:r>
+            <a:r>
+              <a:rPr lang="en-GB" sz="1600" dirty="0">
+                <a:latin typeface="Consolas" panose="020B0609020204030204" pitchFamily="49" charset="0"/>
+              </a:rPr>
+              <a:t> = </a:t>
+            </a:r>
+            <a:r>
+              <a:rPr lang="en-GB" sz="1600" dirty="0" err="1">
+                <a:latin typeface="Consolas" panose="020B0609020204030204" pitchFamily="49" charset="0"/>
+              </a:rPr>
+              <a:t>Kmeans</a:t>
+            </a:r>
+            <a:r>
+              <a:rPr lang="en-GB" sz="1600" dirty="0">
+                <a:latin typeface="Consolas" panose="020B0609020204030204" pitchFamily="49" charset="0"/>
+              </a:rPr>
+              <a:t>(</a:t>
+            </a:r>
+            <a:r>
+              <a:rPr lang="en-GB" sz="1600" dirty="0" err="1">
+                <a:latin typeface="Consolas" panose="020B0609020204030204" pitchFamily="49" charset="0"/>
+              </a:rPr>
+              <a:t>n_clusters</a:t>
+            </a:r>
+            <a:r>
+              <a:rPr lang="en-GB" sz="1600" dirty="0">
+                <a:latin typeface="Consolas" panose="020B0609020204030204" pitchFamily="49" charset="0"/>
+              </a:rPr>
+              <a:t>=k)</a:t>
+            </a:r>
+          </a:p>
+          <a:p>
+            <a:pPr marL="0" indent="0">
+              <a:spcBef>
+                <a:spcPts val="1200"/>
+              </a:spcBef>
+              <a:buNone/>
+            </a:pPr>
+            <a:r>
+              <a:rPr lang="en-GB" sz="1600" dirty="0" err="1">
+                <a:latin typeface="Consolas" panose="020B0609020204030204" pitchFamily="49" charset="0"/>
+              </a:rPr>
+              <a:t>y_pred</a:t>
+            </a:r>
+            <a:r>
+              <a:rPr lang="en-GB" sz="1600" dirty="0">
+                <a:latin typeface="Consolas" panose="020B0609020204030204" pitchFamily="49" charset="0"/>
+              </a:rPr>
+              <a:t> = </a:t>
+            </a:r>
+            <a:r>
+              <a:rPr lang="en-GB" sz="1600" dirty="0" err="1">
+                <a:latin typeface="Consolas" panose="020B0609020204030204" pitchFamily="49" charset="0"/>
+              </a:rPr>
+              <a:t>kmeans.fit_predict</a:t>
+            </a:r>
+            <a:r>
+              <a:rPr lang="en-GB" sz="1600" dirty="0">
+                <a:latin typeface="Consolas" panose="020B0609020204030204" pitchFamily="49" charset="0"/>
+              </a:rPr>
+              <a:t>(X)</a:t>
+            </a:r>
+          </a:p>
+          <a:p>
+            <a:pPr marL="0" indent="0">
+              <a:spcBef>
+                <a:spcPts val="1200"/>
+              </a:spcBef>
+              <a:buNone/>
+            </a:pPr>
+            <a:endParaRPr lang="en-GB" sz="1600" dirty="0">
+              <a:latin typeface="Consolas" panose="020B0609020204030204" pitchFamily="49" charset="0"/>
+            </a:endParaRPr>
+          </a:p>
+          <a:p>
+            <a:pPr marL="0" indent="0">
+              <a:spcBef>
+                <a:spcPts val="1200"/>
+              </a:spcBef>
+              <a:buNone/>
+            </a:pPr>
+            <a:r>
+              <a:rPr lang="en-GB" sz="1600" dirty="0">
+                <a:latin typeface="Consolas" panose="020B0609020204030204" pitchFamily="49" charset="0"/>
+              </a:rPr>
+              <a:t>print(</a:t>
+            </a:r>
+            <a:r>
+              <a:rPr lang="en-GB" sz="1600" dirty="0" err="1">
+                <a:latin typeface="Consolas" panose="020B0609020204030204" pitchFamily="49" charset="0"/>
+              </a:rPr>
+              <a:t>y_pred</a:t>
+            </a:r>
+            <a:r>
+              <a:rPr lang="en-GB" sz="1600" dirty="0">
+                <a:latin typeface="Consolas" panose="020B0609020204030204" pitchFamily="49" charset="0"/>
+              </a:rPr>
+              <a:t>) </a:t>
+            </a:r>
+          </a:p>
+          <a:p>
+            <a:pPr marL="0" indent="0">
+              <a:spcBef>
+                <a:spcPts val="1200"/>
+              </a:spcBef>
+              <a:buNone/>
+            </a:pPr>
+            <a:r>
+              <a:rPr lang="es-ES" sz="1600" dirty="0">
+                <a:latin typeface="Consolas" panose="020B0609020204030204" pitchFamily="49" charset="0"/>
+                <a:hlinkClick r:id="rId3">
+                  <a:extLst>
+                    <a:ext uri="{A12FA001-AC4F-418D-AE19-62706E023703}">
+                      <ahyp:hlinkClr xmlns:ahyp="http://schemas.microsoft.com/office/drawing/2018/hyperlinkcolor" val="tx"/>
+                    </a:ext>
+                  </a:extLst>
+                </a:hlinkClick>
+              </a:rPr>
+              <a:t>&gt;&gt;&gt;</a:t>
+            </a:r>
+            <a:r>
+              <a:rPr lang="es-ES" sz="1600" dirty="0">
+                <a:latin typeface="Consolas" panose="020B0609020204030204" pitchFamily="49" charset="0"/>
+              </a:rPr>
+              <a:t> array([4,0,1...])</a:t>
+            </a:r>
+          </a:p>
+          <a:p>
+            <a:pPr marL="0" indent="0">
+              <a:spcBef>
+                <a:spcPts val="1200"/>
+              </a:spcBef>
+              <a:buNone/>
+            </a:pPr>
+            <a:endParaRPr lang="es-ES" sz="1600" dirty="0">
+              <a:latin typeface="Consolas" panose="020B0609020204030204" pitchFamily="49" charset="0"/>
+            </a:endParaRPr>
+          </a:p>
+          <a:p>
+            <a:pPr marL="0" indent="0">
+              <a:spcBef>
+                <a:spcPts val="1200"/>
+              </a:spcBef>
+              <a:buNone/>
+            </a:pPr>
+            <a:r>
+              <a:rPr lang="en-GB" sz="1600" dirty="0">
+                <a:latin typeface="Consolas" panose="020B0609020204030204" pitchFamily="49" charset="0"/>
+              </a:rPr>
+              <a:t>print(</a:t>
+            </a:r>
+            <a:r>
+              <a:rPr lang="en-GB" sz="1600" dirty="0" err="1">
+                <a:latin typeface="Consolas" panose="020B0609020204030204" pitchFamily="49" charset="0"/>
+              </a:rPr>
+              <a:t>kmeans.cluster_centers</a:t>
+            </a:r>
+            <a:r>
+              <a:rPr lang="en-GB" sz="1600" dirty="0">
+                <a:latin typeface="Consolas" panose="020B0609020204030204" pitchFamily="49" charset="0"/>
+              </a:rPr>
+              <a:t>_) </a:t>
+            </a:r>
+          </a:p>
+          <a:p>
+            <a:pPr marL="0" indent="0">
+              <a:spcBef>
+                <a:spcPts val="1200"/>
+              </a:spcBef>
+              <a:buNone/>
+            </a:pPr>
+            <a:r>
+              <a:rPr lang="es-ES" sz="1600" dirty="0">
+                <a:latin typeface="Consolas" panose="020B0609020204030204" pitchFamily="49" charset="0"/>
+                <a:hlinkClick r:id="rId3">
+                  <a:extLst>
+                    <a:ext uri="{A12FA001-AC4F-418D-AE19-62706E023703}">
+                      <ahyp:hlinkClr xmlns:ahyp="http://schemas.microsoft.com/office/drawing/2018/hyperlinkcolor" val="tx"/>
+                    </a:ext>
+                  </a:extLst>
+                </a:hlinkClick>
+              </a:rPr>
+              <a:t>&gt;&gt;&gt;</a:t>
+            </a:r>
+            <a:r>
+              <a:rPr lang="es-ES" sz="1600" dirty="0">
+                <a:latin typeface="Consolas" panose="020B0609020204030204" pitchFamily="49" charset="0"/>
+              </a:rPr>
+              <a:t> array([-2.814, 0.8162],</a:t>
+            </a:r>
+          </a:p>
+          <a:p>
+            <a:pPr marL="0" indent="0">
+              <a:spcBef>
+                <a:spcPts val="1200"/>
+              </a:spcBef>
+              <a:buNone/>
+            </a:pPr>
+            <a:r>
+              <a:rPr lang="es-ES" sz="1600" dirty="0">
+                <a:latin typeface="Consolas" panose="020B0609020204030204" pitchFamily="49" charset="0"/>
+              </a:rPr>
+              <a:t>	 [-3.508, 3.1371],</a:t>
+            </a:r>
+          </a:p>
+          <a:p>
+            <a:pPr marL="0" indent="0">
+              <a:spcBef>
+                <a:spcPts val="1200"/>
+              </a:spcBef>
+              <a:buNone/>
+            </a:pPr>
+            <a:r>
+              <a:rPr lang="es-ES" sz="1600" dirty="0">
+                <a:latin typeface="Consolas" panose="020B0609020204030204" pitchFamily="49" charset="0"/>
+              </a:rPr>
+              <a:t>	 [-1.276, 6.9620],</a:t>
+            </a:r>
+          </a:p>
+          <a:p>
+            <a:pPr marL="0" indent="0">
+              <a:spcBef>
+                <a:spcPts val="1200"/>
+              </a:spcBef>
+              <a:buNone/>
+            </a:pPr>
+            <a:r>
+              <a:rPr lang="es-ES" sz="1600" dirty="0">
+                <a:latin typeface="Consolas" panose="020B0609020204030204" pitchFamily="49" charset="0"/>
+              </a:rPr>
+              <a:t>	 [-8.811, 2.8320],</a:t>
+            </a:r>
+          </a:p>
+          <a:p>
+            <a:pPr marL="0" indent="0">
+              <a:spcBef>
+                <a:spcPts val="1200"/>
+              </a:spcBef>
+              <a:buNone/>
+            </a:pPr>
+            <a:r>
+              <a:rPr lang="es-ES" sz="1600" dirty="0">
+                <a:latin typeface="Consolas" panose="020B0609020204030204" pitchFamily="49" charset="0"/>
+              </a:rPr>
+              <a:t>	 [0.802, 8.4197])</a:t>
+            </a:r>
+          </a:p>
+          <a:p>
+            <a:pPr marL="0" indent="0">
+              <a:spcBef>
+                <a:spcPts val="1200"/>
+              </a:spcBef>
+              <a:buNone/>
+            </a:pPr>
+            <a:endParaRPr lang="en-GB" sz="1600" dirty="0">
+              <a:latin typeface="Consolas" panose="020B0609020204030204" pitchFamily="49" charset="0"/>
+            </a:endParaRPr>
+          </a:p>
+          <a:p>
+            <a:endParaRPr lang="en-GB" sz="1800" dirty="0"/>
+          </a:p>
+          <a:p>
+            <a:pPr marL="0" indent="0">
+              <a:buNone/>
+            </a:pPr>
+            <a:endParaRPr lang="es-ES" dirty="0"/>
+          </a:p>
+        </p:txBody>
+      </p:sp>
       <p:pic>
         <p:nvPicPr>
-          <p:cNvPr id="4" name="Picture 2">
+          <p:cNvPr id="7" name="Picture 6">
             <a:extLst>
               <a:ext uri="{FF2B5EF4-FFF2-40B4-BE49-F238E27FC236}">
-                <a16:creationId xmlns:a16="http://schemas.microsoft.com/office/drawing/2014/main" id="{CDA19728-FB63-4968-A3D7-148353A63DBB}"/>
+                <a16:creationId xmlns:a16="http://schemas.microsoft.com/office/drawing/2014/main" id="{B26DD377-854E-4D2F-A058-31FEE434146E}"/>
               </a:ext>
             </a:extLst>
           </p:cNvPr>
           <p:cNvPicPr>
-            <a:picLocks noChangeAspect="1" noChangeArrowheads="1"/>
+            <a:picLocks noChangeAspect="1"/>
           </p:cNvPicPr>
           <p:nvPr/>
         </p:nvPicPr>
         <p:blipFill>
-          <a:blip r:embed="rId3">
-            <a:extLst>
-              <a:ext uri="{28A0092B-C50C-407E-A947-70E740481C1C}">
-                <a14:useLocalDpi xmlns:a14="http://schemas.microsoft.com/office/drawing/2010/main" val="0"/>
-              </a:ext>
-            </a:extLst>
-          </a:blip>
-          <a:srcRect/>
+          <a:blip r:embed="rId4"/>
           <a:stretch>
             <a:fillRect/>
           </a:stretch>
         </p:blipFill>
-        <p:spPr bwMode="auto">
+        <p:spPr>
           <a:xfrm>
-            <a:off x="3359218" y="1690688"/>
-            <a:ext cx="5257799" cy="4581669"/>
+            <a:off x="5879439" y="854997"/>
+            <a:ext cx="5474362" cy="2574003"/>
           </a:xfrm>
           <a:prstGeom prst="rect">
             <a:avLst/>
           </a:prstGeom>
-          <a:noFill/>
-          <a:extLst>
-            <a:ext uri="{909E8E84-426E-40DD-AFC4-6F175D3DCCD1}">
-              <a14:hiddenFill xmlns:a14="http://schemas.microsoft.com/office/drawing/2010/main">
-                <a:solidFill>
-                  <a:srgbClr val="FFFFFF"/>
-                </a:solidFill>
-              </a14:hiddenFill>
-            </a:ext>
-          </a:extLst>
         </p:spPr>
       </p:pic>
+      <p:sp>
+        <p:nvSpPr>
+          <p:cNvPr id="9" name="Content Placeholder 6">
+            <a:extLst>
+              <a:ext uri="{FF2B5EF4-FFF2-40B4-BE49-F238E27FC236}">
+                <a16:creationId xmlns:a16="http://schemas.microsoft.com/office/drawing/2014/main" id="{15790365-4396-4356-9122-42244391DE66}"/>
+              </a:ext>
+            </a:extLst>
+          </p:cNvPr>
+          <p:cNvSpPr txBox="1">
+            <a:spLocks/>
+          </p:cNvSpPr>
+          <p:nvPr/>
+        </p:nvSpPr>
+        <p:spPr>
+          <a:xfrm>
+            <a:off x="6246796" y="3918872"/>
+            <a:ext cx="4745255" cy="2741596"/>
+          </a:xfrm>
+          <a:prstGeom prst="rect">
+            <a:avLst/>
+          </a:prstGeom>
+        </p:spPr>
+        <p:txBody>
+          <a:bodyPr vert="horz" lIns="91440" tIns="45720" rIns="91440" bIns="45720" rtlCol="0">
+            <a:normAutofit/>
+          </a:bodyPr>
+          <a:lstStyle>
+            <a:lvl1pPr marL="228600" indent="-228600" algn="l" defTabSz="914400" rtl="0" eaLnBrk="1" latinLnBrk="0" hangingPunct="1">
+              <a:lnSpc>
+                <a:spcPct val="90000"/>
+              </a:lnSpc>
+              <a:spcBef>
+                <a:spcPts val="1000"/>
+              </a:spcBef>
+              <a:buFont typeface="Arial" panose="020B0604020202020204" pitchFamily="34" charset="0"/>
+              <a:buChar char="•"/>
+              <a:defRPr sz="2800" kern="1200">
+                <a:solidFill>
+                  <a:schemeClr val="tx1"/>
+                </a:solidFill>
+                <a:latin typeface="+mn-lt"/>
+                <a:ea typeface="+mn-ea"/>
+                <a:cs typeface="+mn-cs"/>
+              </a:defRPr>
+            </a:lvl1pPr>
+            <a:lvl2pPr marL="685800" indent="-228600" algn="l" defTabSz="914400" rtl="0" eaLnBrk="1" latinLnBrk="0" hangingPunct="1">
+              <a:lnSpc>
+                <a:spcPct val="90000"/>
+              </a:lnSpc>
+              <a:spcBef>
+                <a:spcPts val="500"/>
+              </a:spcBef>
+              <a:buFont typeface="Arial" panose="020B0604020202020204" pitchFamily="34" charset="0"/>
+              <a:buChar char="•"/>
+              <a:defRPr sz="2400" kern="1200">
+                <a:solidFill>
+                  <a:schemeClr val="tx1"/>
+                </a:solidFill>
+                <a:latin typeface="+mn-lt"/>
+                <a:ea typeface="+mn-ea"/>
+                <a:cs typeface="+mn-cs"/>
+              </a:defRPr>
+            </a:lvl2pPr>
+            <a:lvl3pPr marL="1143000" indent="-228600" algn="l" defTabSz="914400" rtl="0" eaLnBrk="1" latinLnBrk="0" hangingPunct="1">
+              <a:lnSpc>
+                <a:spcPct val="90000"/>
+              </a:lnSpc>
+              <a:spcBef>
+                <a:spcPts val="500"/>
+              </a:spcBef>
+              <a:buFont typeface="Arial" panose="020B0604020202020204" pitchFamily="34" charset="0"/>
+              <a:buChar char="•"/>
+              <a:defRPr sz="2000" kern="1200">
+                <a:solidFill>
+                  <a:schemeClr val="tx1"/>
+                </a:solidFill>
+                <a:latin typeface="+mn-lt"/>
+                <a:ea typeface="+mn-ea"/>
+                <a:cs typeface="+mn-cs"/>
+              </a:defRPr>
+            </a:lvl3pPr>
+            <a:lvl4pPr marL="1600200" indent="-228600" algn="l" defTabSz="914400" rtl="0" eaLnBrk="1" latinLnBrk="0" hangingPunct="1">
+              <a:lnSpc>
+                <a:spcPct val="90000"/>
+              </a:lnSpc>
+              <a:spcBef>
+                <a:spcPts val="500"/>
+              </a:spcBef>
+              <a:buFont typeface="Arial" panose="020B0604020202020204" pitchFamily="34" charset="0"/>
+              <a:buChar char="•"/>
+              <a:defRPr sz="1800" kern="1200">
+                <a:solidFill>
+                  <a:schemeClr val="tx1"/>
+                </a:solidFill>
+                <a:latin typeface="+mn-lt"/>
+                <a:ea typeface="+mn-ea"/>
+                <a:cs typeface="+mn-cs"/>
+              </a:defRPr>
+            </a:lvl4pPr>
+            <a:lvl5pPr marL="2057400" indent="-228600" algn="l" defTabSz="914400" rtl="0" eaLnBrk="1" latinLnBrk="0" hangingPunct="1">
+              <a:lnSpc>
+                <a:spcPct val="90000"/>
+              </a:lnSpc>
+              <a:spcBef>
+                <a:spcPts val="500"/>
+              </a:spcBef>
+              <a:buFont typeface="Arial" panose="020B0604020202020204" pitchFamily="34" charset="0"/>
+              <a:buChar char="•"/>
+              <a:defRPr sz="1800" kern="1200">
+                <a:solidFill>
+                  <a:schemeClr val="tx1"/>
+                </a:solidFill>
+                <a:latin typeface="+mn-lt"/>
+                <a:ea typeface="+mn-ea"/>
+                <a:cs typeface="+mn-cs"/>
+              </a:defRPr>
+            </a:lvl5pPr>
+            <a:lvl6pPr marL="2514600" indent="-228600" algn="l" defTabSz="914400" rtl="0" eaLnBrk="1" latinLnBrk="0" hangingPunct="1">
+              <a:lnSpc>
+                <a:spcPct val="90000"/>
+              </a:lnSpc>
+              <a:spcBef>
+                <a:spcPts val="500"/>
+              </a:spcBef>
+              <a:buFont typeface="Arial" panose="020B0604020202020204" pitchFamily="34" charset="0"/>
+              <a:buChar char="•"/>
+              <a:defRPr sz="1800" kern="1200">
+                <a:solidFill>
+                  <a:schemeClr val="tx1"/>
+                </a:solidFill>
+                <a:latin typeface="+mn-lt"/>
+                <a:ea typeface="+mn-ea"/>
+                <a:cs typeface="+mn-cs"/>
+              </a:defRPr>
+            </a:lvl6pPr>
+            <a:lvl7pPr marL="2971800" indent="-228600" algn="l" defTabSz="914400" rtl="0" eaLnBrk="1" latinLnBrk="0" hangingPunct="1">
+              <a:lnSpc>
+                <a:spcPct val="90000"/>
+              </a:lnSpc>
+              <a:spcBef>
+                <a:spcPts val="500"/>
+              </a:spcBef>
+              <a:buFont typeface="Arial" panose="020B0604020202020204" pitchFamily="34" charset="0"/>
+              <a:buChar char="•"/>
+              <a:defRPr sz="1800" kern="1200">
+                <a:solidFill>
+                  <a:schemeClr val="tx1"/>
+                </a:solidFill>
+                <a:latin typeface="+mn-lt"/>
+                <a:ea typeface="+mn-ea"/>
+                <a:cs typeface="+mn-cs"/>
+              </a:defRPr>
+            </a:lvl7pPr>
+            <a:lvl8pPr marL="3429000" indent="-228600" algn="l" defTabSz="914400" rtl="0" eaLnBrk="1" latinLnBrk="0" hangingPunct="1">
+              <a:lnSpc>
+                <a:spcPct val="90000"/>
+              </a:lnSpc>
+              <a:spcBef>
+                <a:spcPts val="500"/>
+              </a:spcBef>
+              <a:buFont typeface="Arial" panose="020B0604020202020204" pitchFamily="34" charset="0"/>
+              <a:buChar char="•"/>
+              <a:defRPr sz="1800" kern="1200">
+                <a:solidFill>
+                  <a:schemeClr val="tx1"/>
+                </a:solidFill>
+                <a:latin typeface="+mn-lt"/>
+                <a:ea typeface="+mn-ea"/>
+                <a:cs typeface="+mn-cs"/>
+              </a:defRPr>
+            </a:lvl8pPr>
+            <a:lvl9pPr marL="3886200" indent="-228600" algn="l" defTabSz="914400" rtl="0" eaLnBrk="1" latinLnBrk="0" hangingPunct="1">
+              <a:lnSpc>
+                <a:spcPct val="90000"/>
+              </a:lnSpc>
+              <a:spcBef>
+                <a:spcPts val="500"/>
+              </a:spcBef>
+              <a:buFont typeface="Arial" panose="020B0604020202020204" pitchFamily="34" charset="0"/>
+              <a:buChar char="•"/>
+              <a:defRPr sz="1800" kern="1200">
+                <a:solidFill>
+                  <a:schemeClr val="tx1"/>
+                </a:solidFill>
+                <a:latin typeface="+mn-lt"/>
+                <a:ea typeface="+mn-ea"/>
+                <a:cs typeface="+mn-cs"/>
+              </a:defRPr>
+            </a:lvl9pPr>
+          </a:lstStyle>
+          <a:p>
+            <a:pPr marL="0" indent="0">
+              <a:spcBef>
+                <a:spcPts val="1200"/>
+              </a:spcBef>
+              <a:buFont typeface="Arial" panose="020B0604020202020204" pitchFamily="34" charset="0"/>
+              <a:buNone/>
+            </a:pPr>
+            <a:r>
+              <a:rPr lang="en-GB" sz="1600" dirty="0" err="1">
+                <a:latin typeface="Consolas" panose="020B0609020204030204" pitchFamily="49" charset="0"/>
+              </a:rPr>
+              <a:t>X_new</a:t>
+            </a:r>
+            <a:r>
+              <a:rPr lang="en-GB" sz="1600" dirty="0">
+                <a:latin typeface="Consolas" panose="020B0609020204030204" pitchFamily="49" charset="0"/>
+              </a:rPr>
+              <a:t> = </a:t>
+            </a:r>
+            <a:r>
+              <a:rPr lang="en-GB" sz="1600" dirty="0" err="1">
+                <a:latin typeface="Consolas" panose="020B0609020204030204" pitchFamily="49" charset="0"/>
+              </a:rPr>
+              <a:t>np.array</a:t>
+            </a:r>
+            <a:r>
+              <a:rPr lang="en-GB" sz="1600" dirty="0">
+                <a:latin typeface="Consolas" panose="020B0609020204030204" pitchFamily="49" charset="0"/>
+              </a:rPr>
+              <a:t>([[0,2], [3,2], [-3,3]])</a:t>
+            </a:r>
+          </a:p>
+          <a:p>
+            <a:pPr marL="0" indent="0">
+              <a:spcBef>
+                <a:spcPts val="1200"/>
+              </a:spcBef>
+              <a:buFont typeface="Arial" panose="020B0604020202020204" pitchFamily="34" charset="0"/>
+              <a:buNone/>
+            </a:pPr>
+            <a:endParaRPr lang="en-GB" sz="1600" dirty="0">
+              <a:latin typeface="Consolas" panose="020B0609020204030204" pitchFamily="49" charset="0"/>
+            </a:endParaRPr>
+          </a:p>
+          <a:p>
+            <a:pPr marL="0" indent="0">
+              <a:spcBef>
+                <a:spcPts val="1200"/>
+              </a:spcBef>
+              <a:buFont typeface="Arial" panose="020B0604020202020204" pitchFamily="34" charset="0"/>
+              <a:buNone/>
+            </a:pPr>
+            <a:r>
+              <a:rPr lang="en-GB" sz="1600" dirty="0">
+                <a:latin typeface="Consolas" panose="020B0609020204030204" pitchFamily="49" charset="0"/>
+              </a:rPr>
+              <a:t>	print(</a:t>
+            </a:r>
+            <a:r>
+              <a:rPr lang="en-GB" sz="1600" dirty="0" err="1">
+                <a:latin typeface="Consolas" panose="020B0609020204030204" pitchFamily="49" charset="0"/>
+              </a:rPr>
+              <a:t>X_new</a:t>
+            </a:r>
+            <a:r>
+              <a:rPr lang="en-GB" sz="1600" dirty="0">
+                <a:latin typeface="Consolas" panose="020B0609020204030204" pitchFamily="49" charset="0"/>
+              </a:rPr>
+              <a:t>) </a:t>
+            </a:r>
+          </a:p>
+          <a:p>
+            <a:pPr marL="0" indent="0">
+              <a:spcBef>
+                <a:spcPts val="1200"/>
+              </a:spcBef>
+              <a:buNone/>
+            </a:pPr>
+            <a:r>
+              <a:rPr lang="en-GB" sz="1600" dirty="0">
+                <a:latin typeface="Consolas" panose="020B0609020204030204" pitchFamily="49" charset="0"/>
+              </a:rPr>
+              <a:t>	</a:t>
+            </a:r>
+            <a:r>
+              <a:rPr lang="es-ES" sz="1600" dirty="0">
+                <a:latin typeface="Consolas" panose="020B0609020204030204" pitchFamily="49" charset="0"/>
+                <a:hlinkClick r:id="rId3">
+                  <a:extLst>
+                    <a:ext uri="{A12FA001-AC4F-418D-AE19-62706E023703}">
+                      <ahyp:hlinkClr xmlns:ahyp="http://schemas.microsoft.com/office/drawing/2018/hyperlinkcolor" val="tx"/>
+                    </a:ext>
+                  </a:extLst>
+                </a:hlinkClick>
+              </a:rPr>
+              <a:t>&gt;&gt;&gt;</a:t>
+            </a:r>
+            <a:r>
+              <a:rPr lang="es-ES" sz="1600" dirty="0">
+                <a:latin typeface="Consolas" panose="020B0609020204030204" pitchFamily="49" charset="0"/>
+              </a:rPr>
+              <a:t> array([1,1,2])</a:t>
+            </a:r>
+          </a:p>
+          <a:p>
+            <a:pPr marL="0" indent="0">
+              <a:spcBef>
+                <a:spcPts val="1200"/>
+              </a:spcBef>
+              <a:buFont typeface="Arial" panose="020B0604020202020204" pitchFamily="34" charset="0"/>
+              <a:buNone/>
+            </a:pPr>
+            <a:endParaRPr lang="en-GB" sz="1600" dirty="0">
+              <a:latin typeface="Consolas" panose="020B0609020204030204" pitchFamily="49" charset="0"/>
+            </a:endParaRPr>
+          </a:p>
+          <a:p>
+            <a:endParaRPr lang="en-GB" sz="1800" dirty="0"/>
+          </a:p>
+          <a:p>
+            <a:pPr marL="0" indent="0">
+              <a:buFont typeface="Arial" panose="020B0604020202020204" pitchFamily="34" charset="0"/>
+              <a:buNone/>
+            </a:pPr>
+            <a:endParaRPr lang="es-ES" dirty="0"/>
+          </a:p>
+        </p:txBody>
+      </p:sp>
     </p:spTree>
     <p:extLst>
       <p:ext uri="{BB962C8B-B14F-4D97-AF65-F5344CB8AC3E}">
-        <p14:creationId xmlns:p14="http://schemas.microsoft.com/office/powerpoint/2010/main" val="2454466699"/>
+        <p14:creationId xmlns:p14="http://schemas.microsoft.com/office/powerpoint/2010/main" val="386865006"/>
       </p:ext>
     </p:extLst>
   </p:cSld>
@@ -6677,42 +8050,71 @@
             <p:ph type="title"/>
           </p:nvPr>
         </p:nvSpPr>
-        <p:spPr/>
+        <p:spPr>
+          <a:xfrm>
+            <a:off x="838199" y="365125"/>
+            <a:ext cx="8921817" cy="1030538"/>
+          </a:xfrm>
+        </p:spPr>
         <p:txBody>
           <a:bodyPr/>
           <a:lstStyle/>
           <a:p>
             <a:r>
-              <a:rPr lang="en-GB" dirty="0">
+              <a:rPr lang="es-ES" dirty="0" err="1">
                 <a:solidFill>
                   <a:srgbClr val="FF0000"/>
                 </a:solidFill>
               </a:rPr>
-              <a:t>SVM: </a:t>
-            </a:r>
-            <a:r>
-              <a:rPr lang="en-GB" dirty="0" err="1">
+              <a:t>Kmeans</a:t>
+            </a:r>
+            <a:r>
+              <a:rPr lang="es-ES" dirty="0">
                 <a:solidFill>
                   <a:srgbClr val="FF0000"/>
                 </a:solidFill>
               </a:rPr>
-              <a:t>clasificación</a:t>
-            </a:r>
-            <a:r>
-              <a:rPr lang="en-GB" dirty="0">
+              <a:t>: </a:t>
+            </a:r>
+            <a:r>
+              <a:rPr lang="es-ES" dirty="0" err="1">
                 <a:solidFill>
                   <a:srgbClr val="FF0000"/>
                 </a:solidFill>
               </a:rPr>
-              <a:t> &amp; </a:t>
-            </a:r>
-            <a:r>
-              <a:rPr lang="en-GB" dirty="0" err="1">
+              <a:t>plotting</a:t>
+            </a:r>
+            <a:r>
+              <a:rPr lang="es-ES" dirty="0">
                 <a:solidFill>
                   <a:srgbClr val="FF0000"/>
                 </a:solidFill>
               </a:rPr>
-              <a:t>regresión</a:t>
+              <a:t> </a:t>
+            </a:r>
+            <a:r>
+              <a:rPr lang="es-ES" dirty="0" err="1">
+                <a:solidFill>
+                  <a:srgbClr val="FF0000"/>
+                </a:solidFill>
+              </a:rPr>
+              <a:t>decision</a:t>
+            </a:r>
+            <a:r>
+              <a:rPr lang="es-ES" dirty="0">
+                <a:solidFill>
+                  <a:srgbClr val="FF0000"/>
+                </a:solidFill>
+              </a:rPr>
+              <a:t> </a:t>
+            </a:r>
+            <a:r>
+              <a:rPr lang="es-ES" dirty="0" err="1">
+                <a:solidFill>
+                  <a:srgbClr val="FF0000"/>
+                </a:solidFill>
+              </a:rPr>
+              <a:t>boundaries</a:t>
             </a:r>
             <a:endParaRPr lang="es-ES" dirty="0">
               <a:solidFill>
@@ -6724,57 +8126,10 @@
       </p:sp>
       <p:pic>
         <p:nvPicPr>
-          <p:cNvPr id="5" name="Picture 2" descr="Support Vectors">
-            <a:extLst>
-              <a:ext uri="{FF2B5EF4-FFF2-40B4-BE49-F238E27FC236}">
-                <a16:creationId xmlns:a16="http://schemas.microsoft.com/office/drawing/2014/main" id="{37AD550F-75A6-469E-92EB-EBE638E951CF}"/>
-              </a:ext>
-            </a:extLst>
-          </p:cNvPr>
-          <p:cNvPicPr>
-            <a:picLocks noChangeAspect="1" noChangeArrowheads="1"/>
-          </p:cNvPicPr>
-          <p:nvPr/>
-        </p:nvPicPr>
-        <p:blipFill>
-          <a:blip r:embed="rId3">
-            <a:extLst>
-              <a:ext uri="{28A0092B-C50C-407E-A947-70E740481C1C}">
-                <a14:useLocalDpi xmlns:a14="http://schemas.microsoft.com/office/drawing/2010/main" val="0"/>
-              </a:ext>
-            </a:extLst>
-          </a:blip>
-          <a:srcRect/>
-          <a:stretch>
-            <a:fillRect/>
-          </a:stretch>
-        </p:blipFill>
-        <p:spPr bwMode="auto">
-          <a:xfrm>
-            <a:off x="6553200" y="2489167"/>
-            <a:ext cx="3825922" cy="3111499"/>
-          </a:xfrm>
-          <a:prstGeom prst="rect">
-            <a:avLst/>
-          </a:prstGeom>
-          <a:noFill/>
-          <a:extLst>
-            <a:ext uri="{909E8E84-426E-40DD-AFC4-6F175D3DCCD1}">
-              <a14:hiddenFill xmlns:a14="http://schemas.microsoft.com/office/drawing/2010/main">
-                <a:solidFill>
-                  <a:srgbClr val="FFFFFF"/>
-                </a:solidFill>
-              </a14:hiddenFill>
-            </a:ext>
-          </a:extLst>
-        </p:spPr>
-      </p:pic>
-      <p:pic>
-        <p:nvPicPr>
           <p:cNvPr id="6" name="Picture 5">
             <a:extLst>
               <a:ext uri="{FF2B5EF4-FFF2-40B4-BE49-F238E27FC236}">
-                <a16:creationId xmlns:a16="http://schemas.microsoft.com/office/drawing/2014/main" id="{FF364280-99B4-4BD6-AAA3-3F324A50B005}"/>
+                <a16:creationId xmlns:a16="http://schemas.microsoft.com/office/drawing/2014/main" id="{1E649DC9-6778-4E2D-B639-9B7C97B00D6F}"/>
               </a:ext>
             </a:extLst>
           </p:cNvPr>
@@ -6784,25 +8139,386 @@
           <p:nvPr/>
         </p:nvPicPr>
         <p:blipFill>
-          <a:blip r:embed="rId4"/>
+          <a:blip r:embed="rId3"/>
           <a:stretch>
             <a:fillRect/>
           </a:stretch>
         </p:blipFill>
         <p:spPr>
           <a:xfrm>
-            <a:off x="2004780" y="2489166"/>
-            <a:ext cx="3645113" cy="3111499"/>
+            <a:off x="5385734" y="2067827"/>
+            <a:ext cx="6076744" cy="2909578"/>
           </a:xfrm>
           <a:prstGeom prst="rect">
             <a:avLst/>
           </a:prstGeom>
         </p:spPr>
       </p:pic>
+      <p:sp>
+        <p:nvSpPr>
+          <p:cNvPr id="10" name="Content Placeholder 6">
+            <a:extLst>
+              <a:ext uri="{FF2B5EF4-FFF2-40B4-BE49-F238E27FC236}">
+                <a16:creationId xmlns:a16="http://schemas.microsoft.com/office/drawing/2014/main" id="{6011E352-493F-4B20-836E-511F277F2C91}"/>
+              </a:ext>
+            </a:extLst>
+          </p:cNvPr>
+          <p:cNvSpPr txBox="1">
+            <a:spLocks/>
+          </p:cNvSpPr>
+          <p:nvPr/>
+        </p:nvSpPr>
+        <p:spPr>
+          <a:xfrm>
+            <a:off x="838199" y="2558716"/>
+            <a:ext cx="3960396" cy="2741596"/>
+          </a:xfrm>
+          <a:prstGeom prst="rect">
+            <a:avLst/>
+          </a:prstGeom>
+        </p:spPr>
+        <p:txBody>
+          <a:bodyPr vert="horz" lIns="91440" tIns="45720" rIns="91440" bIns="45720" rtlCol="0">
+            <a:normAutofit/>
+          </a:bodyPr>
+          <a:lstStyle>
+            <a:lvl1pPr marL="228600" indent="-228600" algn="l" defTabSz="914400" rtl="0" eaLnBrk="1" latinLnBrk="0" hangingPunct="1">
+              <a:lnSpc>
+                <a:spcPct val="90000"/>
+              </a:lnSpc>
+              <a:spcBef>
+                <a:spcPts val="1000"/>
+              </a:spcBef>
+              <a:buFont typeface="Arial" panose="020B0604020202020204" pitchFamily="34" charset="0"/>
+              <a:buChar char="•"/>
+              <a:defRPr sz="2800" kern="1200">
+                <a:solidFill>
+                  <a:schemeClr val="tx1"/>
+                </a:solidFill>
+                <a:latin typeface="+mn-lt"/>
+                <a:ea typeface="+mn-ea"/>
+                <a:cs typeface="+mn-cs"/>
+              </a:defRPr>
+            </a:lvl1pPr>
+            <a:lvl2pPr marL="685800" indent="-228600" algn="l" defTabSz="914400" rtl="0" eaLnBrk="1" latinLnBrk="0" hangingPunct="1">
+              <a:lnSpc>
+                <a:spcPct val="90000"/>
+              </a:lnSpc>
+              <a:spcBef>
+                <a:spcPts val="500"/>
+              </a:spcBef>
+              <a:buFont typeface="Arial" panose="020B0604020202020204" pitchFamily="34" charset="0"/>
+              <a:buChar char="•"/>
+              <a:defRPr sz="2400" kern="1200">
+                <a:solidFill>
+                  <a:schemeClr val="tx1"/>
+                </a:solidFill>
+                <a:latin typeface="+mn-lt"/>
+                <a:ea typeface="+mn-ea"/>
+                <a:cs typeface="+mn-cs"/>
+              </a:defRPr>
+            </a:lvl2pPr>
+            <a:lvl3pPr marL="1143000" indent="-228600" algn="l" defTabSz="914400" rtl="0" eaLnBrk="1" latinLnBrk="0" hangingPunct="1">
+              <a:lnSpc>
+                <a:spcPct val="90000"/>
+              </a:lnSpc>
+              <a:spcBef>
+                <a:spcPts val="500"/>
+              </a:spcBef>
+              <a:buFont typeface="Arial" panose="020B0604020202020204" pitchFamily="34" charset="0"/>
+              <a:buChar char="•"/>
+              <a:defRPr sz="2000" kern="1200">
+                <a:solidFill>
+                  <a:schemeClr val="tx1"/>
+                </a:solidFill>
+                <a:latin typeface="+mn-lt"/>
+                <a:ea typeface="+mn-ea"/>
+                <a:cs typeface="+mn-cs"/>
+              </a:defRPr>
+            </a:lvl3pPr>
+            <a:lvl4pPr marL="1600200" indent="-228600" algn="l" defTabSz="914400" rtl="0" eaLnBrk="1" latinLnBrk="0" hangingPunct="1">
+              <a:lnSpc>
+                <a:spcPct val="90000"/>
+              </a:lnSpc>
+              <a:spcBef>
+                <a:spcPts val="500"/>
+              </a:spcBef>
+              <a:buFont typeface="Arial" panose="020B0604020202020204" pitchFamily="34" charset="0"/>
+              <a:buChar char="•"/>
+              <a:defRPr sz="1800" kern="1200">
+                <a:solidFill>
+                  <a:schemeClr val="tx1"/>
+                </a:solidFill>
+                <a:latin typeface="+mn-lt"/>
+                <a:ea typeface="+mn-ea"/>
+                <a:cs typeface="+mn-cs"/>
+              </a:defRPr>
+            </a:lvl4pPr>
+            <a:lvl5pPr marL="2057400" indent="-228600" algn="l" defTabSz="914400" rtl="0" eaLnBrk="1" latinLnBrk="0" hangingPunct="1">
+              <a:lnSpc>
+                <a:spcPct val="90000"/>
+              </a:lnSpc>
+              <a:spcBef>
+                <a:spcPts val="500"/>
+              </a:spcBef>
+              <a:buFont typeface="Arial" panose="020B0604020202020204" pitchFamily="34" charset="0"/>
+              <a:buChar char="•"/>
+              <a:defRPr sz="1800" kern="1200">
+                <a:solidFill>
+                  <a:schemeClr val="tx1"/>
+                </a:solidFill>
+                <a:latin typeface="+mn-lt"/>
+                <a:ea typeface="+mn-ea"/>
+                <a:cs typeface="+mn-cs"/>
+              </a:defRPr>
+            </a:lvl5pPr>
+            <a:lvl6pPr marL="2514600" indent="-228600" algn="l" defTabSz="914400" rtl="0" eaLnBrk="1" latinLnBrk="0" hangingPunct="1">
+              <a:lnSpc>
+                <a:spcPct val="90000"/>
+              </a:lnSpc>
+              <a:spcBef>
+                <a:spcPts val="500"/>
+              </a:spcBef>
+              <a:buFont typeface="Arial" panose="020B0604020202020204" pitchFamily="34" charset="0"/>
+              <a:buChar char="•"/>
+              <a:defRPr sz="1800" kern="1200">
+                <a:solidFill>
+                  <a:schemeClr val="tx1"/>
+                </a:solidFill>
+                <a:latin typeface="+mn-lt"/>
+                <a:ea typeface="+mn-ea"/>
+                <a:cs typeface="+mn-cs"/>
+              </a:defRPr>
+            </a:lvl6pPr>
+            <a:lvl7pPr marL="2971800" indent="-228600" algn="l" defTabSz="914400" rtl="0" eaLnBrk="1" latinLnBrk="0" hangingPunct="1">
+              <a:lnSpc>
+                <a:spcPct val="90000"/>
+              </a:lnSpc>
+              <a:spcBef>
+                <a:spcPts val="500"/>
+              </a:spcBef>
+              <a:buFont typeface="Arial" panose="020B0604020202020204" pitchFamily="34" charset="0"/>
+              <a:buChar char="•"/>
+              <a:defRPr sz="1800" kern="1200">
+                <a:solidFill>
+                  <a:schemeClr val="tx1"/>
+                </a:solidFill>
+                <a:latin typeface="+mn-lt"/>
+                <a:ea typeface="+mn-ea"/>
+                <a:cs typeface="+mn-cs"/>
+              </a:defRPr>
+            </a:lvl7pPr>
+            <a:lvl8pPr marL="3429000" indent="-228600" algn="l" defTabSz="914400" rtl="0" eaLnBrk="1" latinLnBrk="0" hangingPunct="1">
+              <a:lnSpc>
+                <a:spcPct val="90000"/>
+              </a:lnSpc>
+              <a:spcBef>
+                <a:spcPts val="500"/>
+              </a:spcBef>
+              <a:buFont typeface="Arial" panose="020B0604020202020204" pitchFamily="34" charset="0"/>
+              <a:buChar char="•"/>
+              <a:defRPr sz="1800" kern="1200">
+                <a:solidFill>
+                  <a:schemeClr val="tx1"/>
+                </a:solidFill>
+                <a:latin typeface="+mn-lt"/>
+                <a:ea typeface="+mn-ea"/>
+                <a:cs typeface="+mn-cs"/>
+              </a:defRPr>
+            </a:lvl8pPr>
+            <a:lvl9pPr marL="3886200" indent="-228600" algn="l" defTabSz="914400" rtl="0" eaLnBrk="1" latinLnBrk="0" hangingPunct="1">
+              <a:lnSpc>
+                <a:spcPct val="90000"/>
+              </a:lnSpc>
+              <a:spcBef>
+                <a:spcPts val="500"/>
+              </a:spcBef>
+              <a:buFont typeface="Arial" panose="020B0604020202020204" pitchFamily="34" charset="0"/>
+              <a:buChar char="•"/>
+              <a:defRPr sz="1800" kern="1200">
+                <a:solidFill>
+                  <a:schemeClr val="tx1"/>
+                </a:solidFill>
+                <a:latin typeface="+mn-lt"/>
+                <a:ea typeface="+mn-ea"/>
+                <a:cs typeface="+mn-cs"/>
+              </a:defRPr>
+            </a:lvl9pPr>
+          </a:lstStyle>
+          <a:p>
+            <a:pPr marL="0" indent="0">
+              <a:spcBef>
+                <a:spcPts val="1200"/>
+              </a:spcBef>
+              <a:buNone/>
+            </a:pPr>
+            <a:r>
+              <a:rPr lang="en-GB" sz="1600" dirty="0">
+                <a:latin typeface="Consolas" panose="020B0609020204030204" pitchFamily="49" charset="0"/>
+              </a:rPr>
+              <a:t># La </a:t>
+            </a:r>
+            <a:r>
+              <a:rPr lang="en-GB" sz="1600" dirty="0" err="1">
+                <a:latin typeface="Consolas" panose="020B0609020204030204" pitchFamily="49" charset="0"/>
+              </a:rPr>
+              <a:t>distancia</a:t>
+            </a:r>
+            <a:r>
+              <a:rPr lang="en-GB" sz="1600" dirty="0">
+                <a:latin typeface="Consolas" panose="020B0609020204030204" pitchFamily="49" charset="0"/>
+              </a:rPr>
+              <a:t> a </a:t>
+            </a:r>
+            <a:r>
+              <a:rPr lang="en-GB" sz="1600" dirty="0" err="1">
+                <a:latin typeface="Consolas" panose="020B0609020204030204" pitchFamily="49" charset="0"/>
+              </a:rPr>
+              <a:t>cada</a:t>
+            </a:r>
+            <a:r>
+              <a:rPr lang="en-GB" sz="1600" dirty="0">
+                <a:latin typeface="Consolas" panose="020B0609020204030204" pitchFamily="49" charset="0"/>
+              </a:rPr>
+              <a:t> </a:t>
+            </a:r>
+            <a:r>
+              <a:rPr lang="en-GB" sz="1600" dirty="0" err="1">
+                <a:latin typeface="Consolas" panose="020B0609020204030204" pitchFamily="49" charset="0"/>
+              </a:rPr>
+              <a:t>centroide</a:t>
+            </a:r>
+            <a:endParaRPr lang="en-GB" sz="1600" dirty="0">
+              <a:latin typeface="Consolas" panose="020B0609020204030204" pitchFamily="49" charset="0"/>
+            </a:endParaRPr>
+          </a:p>
+          <a:p>
+            <a:pPr marL="0" indent="0">
+              <a:spcBef>
+                <a:spcPts val="1200"/>
+              </a:spcBef>
+              <a:buNone/>
+            </a:pPr>
+            <a:endParaRPr lang="en-GB" sz="1600" dirty="0">
+              <a:latin typeface="Consolas" panose="020B0609020204030204" pitchFamily="49" charset="0"/>
+            </a:endParaRPr>
+          </a:p>
+          <a:p>
+            <a:pPr marL="0" indent="0">
+              <a:spcBef>
+                <a:spcPts val="1200"/>
+              </a:spcBef>
+              <a:buNone/>
+            </a:pPr>
+            <a:r>
+              <a:rPr lang="en-GB" sz="1600" dirty="0">
+                <a:latin typeface="Consolas" panose="020B0609020204030204" pitchFamily="49" charset="0"/>
+              </a:rPr>
+              <a:t>print(</a:t>
+            </a:r>
+            <a:r>
+              <a:rPr lang="en-GB" sz="1600" dirty="0" err="1">
+                <a:latin typeface="Consolas" panose="020B0609020204030204" pitchFamily="49" charset="0"/>
+              </a:rPr>
+              <a:t>kmeans.transform</a:t>
+            </a:r>
+            <a:r>
+              <a:rPr lang="en-GB" sz="1600" dirty="0">
+                <a:latin typeface="Consolas" panose="020B0609020204030204" pitchFamily="49" charset="0"/>
+              </a:rPr>
+              <a:t>(</a:t>
+            </a:r>
+            <a:r>
+              <a:rPr lang="en-GB" sz="1600" dirty="0" err="1">
+                <a:latin typeface="Consolas" panose="020B0609020204030204" pitchFamily="49" charset="0"/>
+              </a:rPr>
+              <a:t>X_new</a:t>
+            </a:r>
+            <a:r>
+              <a:rPr lang="en-GB" sz="1600" dirty="0">
+                <a:latin typeface="Consolas" panose="020B0609020204030204" pitchFamily="49" charset="0"/>
+              </a:rPr>
+              <a:t>))</a:t>
+            </a:r>
+          </a:p>
+          <a:p>
+            <a:pPr marL="0" indent="0">
+              <a:spcBef>
+                <a:spcPts val="1200"/>
+              </a:spcBef>
+              <a:buFont typeface="Arial" panose="020B0604020202020204" pitchFamily="34" charset="0"/>
+              <a:buNone/>
+            </a:pPr>
+            <a:endParaRPr lang="en-GB" sz="1600" dirty="0">
+              <a:latin typeface="Consolas" panose="020B0609020204030204" pitchFamily="49" charset="0"/>
+            </a:endParaRPr>
+          </a:p>
+          <a:p>
+            <a:pPr marL="0" indent="0">
+              <a:spcBef>
+                <a:spcPts val="1200"/>
+              </a:spcBef>
+              <a:buNone/>
+            </a:pPr>
+            <a:r>
+              <a:rPr lang="es-ES" sz="1600" dirty="0">
+                <a:latin typeface="Consolas" panose="020B0609020204030204" pitchFamily="49" charset="0"/>
+                <a:hlinkClick r:id="rId4">
+                  <a:extLst>
+                    <a:ext uri="{A12FA001-AC4F-418D-AE19-62706E023703}">
+                      <ahyp:hlinkClr xmlns:ahyp="http://schemas.microsoft.com/office/drawing/2018/hyperlinkcolor" val="tx"/>
+                    </a:ext>
+                  </a:extLst>
+                </a:hlinkClick>
+              </a:rPr>
+              <a:t>&gt;&gt;&gt;</a:t>
+            </a:r>
+            <a:r>
+              <a:rPr lang="es-ES" sz="1600" dirty="0">
+                <a:latin typeface="Consolas" panose="020B0609020204030204" pitchFamily="49" charset="0"/>
+              </a:rPr>
+              <a:t> array([[2.81, 0.32, 2.9,…]])</a:t>
+            </a:r>
+          </a:p>
+          <a:p>
+            <a:pPr marL="0" indent="0">
+              <a:spcBef>
+                <a:spcPts val="1200"/>
+              </a:spcBef>
+              <a:buNone/>
+            </a:pPr>
+            <a:endParaRPr lang="es-ES" sz="1600" dirty="0">
+              <a:latin typeface="Consolas" panose="020B0609020204030204" pitchFamily="49" charset="0"/>
+            </a:endParaRPr>
+          </a:p>
+          <a:p>
+            <a:pPr marL="0" indent="0">
+              <a:spcBef>
+                <a:spcPts val="1200"/>
+              </a:spcBef>
+              <a:buFont typeface="Arial" panose="020B0604020202020204" pitchFamily="34" charset="0"/>
+              <a:buNone/>
+            </a:pPr>
+            <a:endParaRPr lang="en-GB" sz="1600" dirty="0">
+              <a:latin typeface="Consolas" panose="020B0609020204030204" pitchFamily="49" charset="0"/>
+            </a:endParaRPr>
+          </a:p>
+          <a:p>
+            <a:endParaRPr lang="en-GB" sz="1800" dirty="0"/>
+          </a:p>
+          <a:p>
+            <a:pPr marL="0" indent="0">
+              <a:buFont typeface="Arial" panose="020B0604020202020204" pitchFamily="34" charset="0"/>
+              <a:buNone/>
+            </a:pPr>
+            <a:endParaRPr lang="es-ES" dirty="0"/>
+          </a:p>
+        </p:txBody>
+      </p:sp>
     </p:spTree>
     <p:extLst>
       <p:ext uri="{BB962C8B-B14F-4D97-AF65-F5344CB8AC3E}">
-        <p14:creationId xmlns:p14="http://schemas.microsoft.com/office/powerpoint/2010/main" val="785407235"/>
+        <p14:creationId xmlns:p14="http://schemas.microsoft.com/office/powerpoint/2010/main" val="2941187430"/>
       </p:ext>
     </p:extLst>
   </p:cSld>
